--- a/outputs/final_presentation.pptx
+++ b/outputs/final_presentation.pptx
@@ -13,6 +13,7 @@
     <p:sldId id="263" r:id="rId7"/>
     <p:sldId id="257" r:id="rId8"/>
     <p:sldId id="260" r:id="rId9"/>
+    <p:sldId id="266" r:id="rId10"/>
   </p:sldIdLst>
   <p:sldSz cx="12192000" cy="6858000"/>
   <p:notesSz cx="6858000" cy="9144000"/>
@@ -117,6 +118,99 @@
     </p:ext>
   </p:extLst>
 </p:presentation>
+</file>
+
+<file path=ppt/revisionInfo.xml><?xml version="1.0" encoding="utf-8"?>
+<p1510:revInfo xmlns:a="http://schemas.openxmlformats.org/drawingml/2006/main" xmlns:r="http://schemas.openxmlformats.org/officeDocument/2006/relationships" xmlns:p1510="http://schemas.microsoft.com/office/powerpoint/2015/10/main">
+  <p1510:revLst>
+    <p1510:client id="{F4E89585-091A-D64A-98FD-C4B5F27A8BD2}" v="3" dt="2023-02-09T00:22:04.924"/>
+  </p1510:revLst>
+</p1510:revInfo>
+</file>
+
+<file path=ppt/changesInfos/changesInfo1.xml><?xml version="1.0" encoding="utf-8"?>
+<pc:chgInfo xmlns:a="http://schemas.openxmlformats.org/drawingml/2006/main" xmlns:r="http://schemas.openxmlformats.org/officeDocument/2006/relationships" xmlns:ac="http://schemas.microsoft.com/office/drawing/2013/main/command" xmlns:pc="http://schemas.microsoft.com/office/powerpoint/2013/main/command">
+  <pc:docChgLst>
+    <pc:chgData name="Rebecca Cantu Davidson" userId="71c25ae9df02aa0f" providerId="LiveId" clId="{F4E89585-091A-D64A-98FD-C4B5F27A8BD2}"/>
+    <pc:docChg chg="custSel addSld modSld">
+      <pc:chgData name="Rebecca Cantu Davidson" userId="71c25ae9df02aa0f" providerId="LiveId" clId="{F4E89585-091A-D64A-98FD-C4B5F27A8BD2}" dt="2023-02-09T00:22:11.739" v="36" actId="14100"/>
+      <pc:docMkLst>
+        <pc:docMk/>
+      </pc:docMkLst>
+      <pc:sldChg chg="addSp delSp modSp add mod">
+        <pc:chgData name="Rebecca Cantu Davidson" userId="71c25ae9df02aa0f" providerId="LiveId" clId="{F4E89585-091A-D64A-98FD-C4B5F27A8BD2}" dt="2023-02-09T00:22:11.739" v="36" actId="14100"/>
+        <pc:sldMkLst>
+          <pc:docMk/>
+          <pc:sldMk cId="2174537924" sldId="266"/>
+        </pc:sldMkLst>
+        <pc:spChg chg="mod">
+          <ac:chgData name="Rebecca Cantu Davidson" userId="71c25ae9df02aa0f" providerId="LiveId" clId="{F4E89585-091A-D64A-98FD-C4B5F27A8BD2}" dt="2023-02-09T00:19:24.278" v="19" actId="14100"/>
+          <ac:spMkLst>
+            <pc:docMk/>
+            <pc:sldMk cId="2174537924" sldId="266"/>
+            <ac:spMk id="2" creationId="{8466B09C-1692-D0F8-9006-1707C55A38D8}"/>
+          </ac:spMkLst>
+        </pc:spChg>
+        <pc:spChg chg="add del mod">
+          <ac:chgData name="Rebecca Cantu Davidson" userId="71c25ae9df02aa0f" providerId="LiveId" clId="{F4E89585-091A-D64A-98FD-C4B5F27A8BD2}" dt="2023-02-09T00:19:31.789" v="21" actId="931"/>
+          <ac:spMkLst>
+            <pc:docMk/>
+            <pc:sldMk cId="2174537924" sldId="266"/>
+            <ac:spMk id="4" creationId="{BDEC46FC-2274-D44C-0289-F809B5C841C8}"/>
+          </ac:spMkLst>
+        </pc:spChg>
+        <pc:spChg chg="add del mod">
+          <ac:chgData name="Rebecca Cantu Davidson" userId="71c25ae9df02aa0f" providerId="LiveId" clId="{F4E89585-091A-D64A-98FD-C4B5F27A8BD2}" dt="2023-02-09T00:20:19.026" v="26" actId="931"/>
+          <ac:spMkLst>
+            <pc:docMk/>
+            <pc:sldMk cId="2174537924" sldId="266"/>
+            <ac:spMk id="9" creationId="{E2A48DE4-D27C-03FE-D0EE-DA42E73587E8}"/>
+          </ac:spMkLst>
+        </pc:spChg>
+        <pc:spChg chg="add del mod">
+          <ac:chgData name="Rebecca Cantu Davidson" userId="71c25ae9df02aa0f" providerId="LiveId" clId="{F4E89585-091A-D64A-98FD-C4B5F27A8BD2}" dt="2023-02-09T00:22:04.924" v="32" actId="931"/>
+          <ac:spMkLst>
+            <pc:docMk/>
+            <pc:sldMk cId="2174537924" sldId="266"/>
+            <ac:spMk id="16" creationId="{ED5A0C87-0879-1885-9EA1-8B9B59056461}"/>
+          </ac:spMkLst>
+        </pc:spChg>
+        <pc:picChg chg="del">
+          <ac:chgData name="Rebecca Cantu Davidson" userId="71c25ae9df02aa0f" providerId="LiveId" clId="{F4E89585-091A-D64A-98FD-C4B5F27A8BD2}" dt="2023-02-09T00:19:26.359" v="20" actId="478"/>
+          <ac:picMkLst>
+            <pc:docMk/>
+            <pc:sldMk cId="2174537924" sldId="266"/>
+            <ac:picMk id="6" creationId="{5BD77D5F-C504-4D02-C772-209D82D7DF69}"/>
+          </ac:picMkLst>
+        </pc:picChg>
+        <pc:picChg chg="add del mod">
+          <ac:chgData name="Rebecca Cantu Davidson" userId="71c25ae9df02aa0f" providerId="LiveId" clId="{F4E89585-091A-D64A-98FD-C4B5F27A8BD2}" dt="2023-02-09T00:19:37.807" v="25" actId="478"/>
+          <ac:picMkLst>
+            <pc:docMk/>
+            <pc:sldMk cId="2174537924" sldId="266"/>
+            <ac:picMk id="7" creationId="{F853BB1C-D272-0DE2-22D4-464DE11F8E08}"/>
+          </ac:picMkLst>
+        </pc:picChg>
+        <pc:picChg chg="add del mod">
+          <ac:chgData name="Rebecca Cantu Davidson" userId="71c25ae9df02aa0f" providerId="LiveId" clId="{F4E89585-091A-D64A-98FD-C4B5F27A8BD2}" dt="2023-02-09T00:22:01.971" v="31" actId="478"/>
+          <ac:picMkLst>
+            <pc:docMk/>
+            <pc:sldMk cId="2174537924" sldId="266"/>
+            <ac:picMk id="12" creationId="{20DB2151-3D4F-A862-2E2E-EA9D7958FA27}"/>
+          </ac:picMkLst>
+        </pc:picChg>
+        <pc:picChg chg="add mod">
+          <ac:chgData name="Rebecca Cantu Davidson" userId="71c25ae9df02aa0f" providerId="LiveId" clId="{F4E89585-091A-D64A-98FD-C4B5F27A8BD2}" dt="2023-02-09T00:22:11.739" v="36" actId="14100"/>
+          <ac:picMkLst>
+            <pc:docMk/>
+            <pc:sldMk cId="2174537924" sldId="266"/>
+            <ac:picMk id="20" creationId="{0E53FD35-5027-30DC-ACB5-608E67875111}"/>
+          </ac:picMkLst>
+        </pc:picChg>
+      </pc:sldChg>
+    </pc:docChg>
+  </pc:docChgLst>
+</pc:chgInfo>
 </file>
 
 <file path=ppt/slideLayouts/slideLayout1.xml><?xml version="1.0" encoding="utf-8"?>
@@ -9039,6 +9133,672 @@
 </p:sld>
 </file>
 
+<file path=ppt/slides/slide9.xml><?xml version="1.0" encoding="utf-8"?>
+<p:sld xmlns:a="http://schemas.openxmlformats.org/drawingml/2006/main" xmlns:r="http://schemas.openxmlformats.org/officeDocument/2006/relationships" xmlns:p="http://schemas.openxmlformats.org/presentationml/2006/main">
+  <p:cSld>
+    <p:bg>
+      <p:bgPr>
+        <a:solidFill>
+          <a:schemeClr val="bg1"/>
+        </a:solidFill>
+        <a:effectLst/>
+      </p:bgPr>
+    </p:bg>
+    <p:spTree>
+      <p:nvGrpSpPr>
+        <p:cNvPr id="1" name=""/>
+        <p:cNvGrpSpPr/>
+        <p:nvPr/>
+      </p:nvGrpSpPr>
+      <p:grpSpPr>
+        <a:xfrm>
+          <a:off x="0" y="0"/>
+          <a:ext cx="0" cy="0"/>
+          <a:chOff x="0" y="0"/>
+          <a:chExt cx="0" cy="0"/>
+        </a:xfrm>
+      </p:grpSpPr>
+      <p:sp useBgFill="1">
+        <p:nvSpPr>
+          <p:cNvPr id="11" name="Rectangle 10">
+            <a:extLst>
+              <a:ext uri="{FF2B5EF4-FFF2-40B4-BE49-F238E27FC236}">
+                <a16:creationId xmlns:a16="http://schemas.microsoft.com/office/drawing/2014/main" id="{5DCB5928-DC7D-4612-9922-441966E15627}"/>
+              </a:ext>
+              <a:ext uri="{C183D7F6-B498-43B3-948B-1728B52AA6E4}">
+                <adec:decorative xmlns:adec="http://schemas.microsoft.com/office/drawing/2017/decorative" val="1"/>
+              </a:ext>
+            </a:extLst>
+          </p:cNvPr>
+          <p:cNvSpPr>
+            <a:spLocks noGrp="1" noRot="1" noChangeAspect="1" noMove="1" noResize="1" noEditPoints="1" noAdjustHandles="1" noChangeArrowheads="1" noChangeShapeType="1" noTextEdit="1"/>
+          </p:cNvSpPr>
+          <p:nvPr>
+            <p:extLst>
+              <p:ext uri="{386F3935-93C4-4BCD-93E2-E3B085C9AB24}">
+                <p16:designElem xmlns:p16="http://schemas.microsoft.com/office/powerpoint/2015/main" val="1"/>
+              </p:ext>
+            </p:extLst>
+          </p:nvPr>
+        </p:nvSpPr>
+        <p:spPr>
+          <a:xfrm>
+            <a:off x="0" y="0"/>
+            <a:ext cx="12192000" cy="6858000"/>
+          </a:xfrm>
+          <a:prstGeom prst="rect">
+            <a:avLst/>
+          </a:prstGeom>
+          <a:ln>
+            <a:noFill/>
+          </a:ln>
+        </p:spPr>
+        <p:style>
+          <a:lnRef idx="2">
+            <a:schemeClr val="accent1">
+              <a:shade val="50000"/>
+            </a:schemeClr>
+          </a:lnRef>
+          <a:fillRef idx="1">
+            <a:schemeClr val="accent1"/>
+          </a:fillRef>
+          <a:effectRef idx="0">
+            <a:schemeClr val="accent1"/>
+          </a:effectRef>
+          <a:fontRef idx="minor">
+            <a:schemeClr val="lt1"/>
+          </a:fontRef>
+        </p:style>
+        <p:txBody>
+          <a:bodyPr rtlCol="0" anchor="ctr"/>
+          <a:lstStyle/>
+          <a:p>
+            <a:pPr algn="ctr"/>
+            <a:endParaRPr lang="en-US"/>
+          </a:p>
+        </p:txBody>
+      </p:sp>
+      <p:sp useBgFill="1">
+        <p:nvSpPr>
+          <p:cNvPr id="13" name="Freeform: Shape 12">
+            <a:extLst>
+              <a:ext uri="{FF2B5EF4-FFF2-40B4-BE49-F238E27FC236}">
+                <a16:creationId xmlns:a16="http://schemas.microsoft.com/office/drawing/2014/main" id="{682C1161-1736-45EC-99B7-33F3CAE9D517}"/>
+              </a:ext>
+              <a:ext uri="{C183D7F6-B498-43B3-948B-1728B52AA6E4}">
+                <adec:decorative xmlns:adec="http://schemas.microsoft.com/office/drawing/2017/decorative" val="1"/>
+              </a:ext>
+            </a:extLst>
+          </p:cNvPr>
+          <p:cNvSpPr>
+            <a:spLocks noGrp="1" noRot="1" noChangeAspect="1" noMove="1" noResize="1" noEditPoints="1" noAdjustHandles="1" noChangeArrowheads="1" noChangeShapeType="1" noTextEdit="1"/>
+          </p:cNvSpPr>
+          <p:nvPr>
+            <p:extLst>
+              <p:ext uri="{386F3935-93C4-4BCD-93E2-E3B085C9AB24}">
+                <p16:designElem xmlns:p16="http://schemas.microsoft.com/office/powerpoint/2015/main" val="1"/>
+              </p:ext>
+            </p:extLst>
+          </p:nvPr>
+        </p:nvSpPr>
+        <p:spPr>
+          <a:xfrm>
+            <a:off x="0" y="0"/>
+            <a:ext cx="4959047" cy="6858000"/>
+          </a:xfrm>
+          <a:custGeom>
+            <a:avLst/>
+            <a:gdLst>
+              <a:gd name="connsiteX0" fmla="*/ 0 w 4959047"/>
+              <a:gd name="connsiteY0" fmla="*/ 0 h 6858000"/>
+              <a:gd name="connsiteX1" fmla="*/ 4110127 w 4959047"/>
+              <a:gd name="connsiteY1" fmla="*/ 0 h 6858000"/>
+              <a:gd name="connsiteX2" fmla="*/ 4179024 w 4959047"/>
+              <a:gd name="connsiteY2" fmla="*/ 123368 h 6858000"/>
+              <a:gd name="connsiteX3" fmla="*/ 4959047 w 4959047"/>
+              <a:gd name="connsiteY3" fmla="*/ 3429000 h 6858000"/>
+              <a:gd name="connsiteX4" fmla="*/ 4179024 w 4959047"/>
+              <a:gd name="connsiteY4" fmla="*/ 6734633 h 6858000"/>
+              <a:gd name="connsiteX5" fmla="*/ 4110127 w 4959047"/>
+              <a:gd name="connsiteY5" fmla="*/ 6858000 h 6858000"/>
+              <a:gd name="connsiteX6" fmla="*/ 0 w 4959047"/>
+              <a:gd name="connsiteY6" fmla="*/ 6858000 h 6858000"/>
+            </a:gdLst>
+            <a:ahLst/>
+            <a:cxnLst>
+              <a:cxn ang="0">
+                <a:pos x="connsiteX0" y="connsiteY0"/>
+              </a:cxn>
+              <a:cxn ang="0">
+                <a:pos x="connsiteX1" y="connsiteY1"/>
+              </a:cxn>
+              <a:cxn ang="0">
+                <a:pos x="connsiteX2" y="connsiteY2"/>
+              </a:cxn>
+              <a:cxn ang="0">
+                <a:pos x="connsiteX3" y="connsiteY3"/>
+              </a:cxn>
+              <a:cxn ang="0">
+                <a:pos x="connsiteX4" y="connsiteY4"/>
+              </a:cxn>
+              <a:cxn ang="0">
+                <a:pos x="connsiteX5" y="connsiteY5"/>
+              </a:cxn>
+              <a:cxn ang="0">
+                <a:pos x="connsiteX6" y="connsiteY6"/>
+              </a:cxn>
+            </a:cxnLst>
+            <a:rect l="l" t="t" r="r" b="b"/>
+            <a:pathLst>
+              <a:path w="4959047" h="6858000">
+                <a:moveTo>
+                  <a:pt x="0" y="0"/>
+                </a:moveTo>
+                <a:lnTo>
+                  <a:pt x="4110127" y="0"/>
+                </a:lnTo>
+                <a:lnTo>
+                  <a:pt x="4179024" y="123368"/>
+                </a:lnTo>
+                <a:cubicBezTo>
+                  <a:pt x="4668929" y="1045156"/>
+                  <a:pt x="4959047" y="2189404"/>
+                  <a:pt x="4959047" y="3429000"/>
+                </a:cubicBezTo>
+                <a:cubicBezTo>
+                  <a:pt x="4959047" y="4668597"/>
+                  <a:pt x="4668929" y="5812845"/>
+                  <a:pt x="4179024" y="6734633"/>
+                </a:cubicBezTo>
+                <a:lnTo>
+                  <a:pt x="4110127" y="6858000"/>
+                </a:lnTo>
+                <a:lnTo>
+                  <a:pt x="0" y="6858000"/>
+                </a:lnTo>
+                <a:close/>
+              </a:path>
+            </a:pathLst>
+          </a:custGeom>
+          <a:ln w="9525">
+            <a:solidFill>
+              <a:srgbClr val="E6E6E6"/>
+            </a:solidFill>
+          </a:ln>
+          <a:effectLst>
+            <a:outerShdw blurRad="76200" dist="38100" algn="l" rotWithShape="0">
+              <a:schemeClr val="bg1">
+                <a:lumMod val="85000"/>
+                <a:alpha val="50000"/>
+              </a:schemeClr>
+            </a:outerShdw>
+          </a:effectLst>
+        </p:spPr>
+        <p:style>
+          <a:lnRef idx="2">
+            <a:schemeClr val="accent1">
+              <a:shade val="50000"/>
+            </a:schemeClr>
+          </a:lnRef>
+          <a:fillRef idx="1">
+            <a:schemeClr val="accent1"/>
+          </a:fillRef>
+          <a:effectRef idx="0">
+            <a:schemeClr val="accent1"/>
+          </a:effectRef>
+          <a:fontRef idx="minor">
+            <a:schemeClr val="lt1"/>
+          </a:fontRef>
+        </p:style>
+        <p:txBody>
+          <a:bodyPr wrap="square" rtlCol="0" anchor="ctr">
+            <a:noAutofit/>
+          </a:bodyPr>
+          <a:lstStyle/>
+          <a:p>
+            <a:pPr marL="0" marR="0" lvl="0" indent="0" algn="ctr" defTabSz="914400" rtl="0" eaLnBrk="1" fontAlgn="auto" latinLnBrk="0" hangingPunct="1">
+              <a:lnSpc>
+                <a:spcPct val="100000"/>
+              </a:lnSpc>
+              <a:spcBef>
+                <a:spcPts val="0"/>
+              </a:spcBef>
+              <a:spcAft>
+                <a:spcPts val="0"/>
+              </a:spcAft>
+              <a:buClrTx/>
+              <a:buSzTx/>
+              <a:buFontTx/>
+              <a:buNone/>
+              <a:tabLst/>
+              <a:defRPr/>
+            </a:pPr>
+            <a:endParaRPr kumimoji="0" lang="en-US" sz="1800" b="0" i="0" u="none" strike="noStrike" kern="1200" cap="none" spc="0" normalizeH="0" baseline="0" noProof="0">
+              <a:ln>
+                <a:noFill/>
+              </a:ln>
+              <a:solidFill>
+                <a:prstClr val="white"/>
+              </a:solidFill>
+              <a:effectLst/>
+              <a:uLnTx/>
+              <a:uFillTx/>
+              <a:latin typeface="Calibri" panose="020F0502020204030204"/>
+              <a:ea typeface="+mn-ea"/>
+              <a:cs typeface="+mn-cs"/>
+            </a:endParaRPr>
+          </a:p>
+        </p:txBody>
+      </p:sp>
+      <p:sp useBgFill="1">
+        <p:nvSpPr>
+          <p:cNvPr id="15" name="Freeform: Shape 14">
+            <a:extLst>
+              <a:ext uri="{FF2B5EF4-FFF2-40B4-BE49-F238E27FC236}">
+                <a16:creationId xmlns:a16="http://schemas.microsoft.com/office/drawing/2014/main" id="{84D4DDB8-B68F-45B0-9F62-C4279996F672}"/>
+              </a:ext>
+              <a:ext uri="{C183D7F6-B498-43B3-948B-1728B52AA6E4}">
+                <adec:decorative xmlns:adec="http://schemas.microsoft.com/office/drawing/2017/decorative" val="1"/>
+              </a:ext>
+            </a:extLst>
+          </p:cNvPr>
+          <p:cNvSpPr>
+            <a:spLocks noGrp="1" noRot="1" noChangeAspect="1" noMove="1" noResize="1" noEditPoints="1" noAdjustHandles="1" noChangeArrowheads="1" noChangeShapeType="1" noTextEdit="1"/>
+          </p:cNvSpPr>
+          <p:nvPr>
+            <p:extLst>
+              <p:ext uri="{386F3935-93C4-4BCD-93E2-E3B085C9AB24}">
+                <p16:designElem xmlns:p16="http://schemas.microsoft.com/office/powerpoint/2015/main" val="1"/>
+              </p:ext>
+            </p:extLst>
+          </p:nvPr>
+        </p:nvSpPr>
+        <p:spPr>
+          <a:xfrm>
+            <a:off x="0" y="0"/>
+            <a:ext cx="4948887" cy="6858000"/>
+          </a:xfrm>
+          <a:custGeom>
+            <a:avLst/>
+            <a:gdLst>
+              <a:gd name="connsiteX0" fmla="*/ 0 w 4948887"/>
+              <a:gd name="connsiteY0" fmla="*/ 0 h 6858000"/>
+              <a:gd name="connsiteX1" fmla="*/ 4099967 w 4948887"/>
+              <a:gd name="connsiteY1" fmla="*/ 0 h 6858000"/>
+              <a:gd name="connsiteX2" fmla="*/ 4168864 w 4948887"/>
+              <a:gd name="connsiteY2" fmla="*/ 123368 h 6858000"/>
+              <a:gd name="connsiteX3" fmla="*/ 4948887 w 4948887"/>
+              <a:gd name="connsiteY3" fmla="*/ 3429000 h 6858000"/>
+              <a:gd name="connsiteX4" fmla="*/ 4168864 w 4948887"/>
+              <a:gd name="connsiteY4" fmla="*/ 6734633 h 6858000"/>
+              <a:gd name="connsiteX5" fmla="*/ 4099967 w 4948887"/>
+              <a:gd name="connsiteY5" fmla="*/ 6858000 h 6858000"/>
+              <a:gd name="connsiteX6" fmla="*/ 0 w 4948887"/>
+              <a:gd name="connsiteY6" fmla="*/ 6858000 h 6858000"/>
+            </a:gdLst>
+            <a:ahLst/>
+            <a:cxnLst>
+              <a:cxn ang="0">
+                <a:pos x="connsiteX0" y="connsiteY0"/>
+              </a:cxn>
+              <a:cxn ang="0">
+                <a:pos x="connsiteX1" y="connsiteY1"/>
+              </a:cxn>
+              <a:cxn ang="0">
+                <a:pos x="connsiteX2" y="connsiteY2"/>
+              </a:cxn>
+              <a:cxn ang="0">
+                <a:pos x="connsiteX3" y="connsiteY3"/>
+              </a:cxn>
+              <a:cxn ang="0">
+                <a:pos x="connsiteX4" y="connsiteY4"/>
+              </a:cxn>
+              <a:cxn ang="0">
+                <a:pos x="connsiteX5" y="connsiteY5"/>
+              </a:cxn>
+              <a:cxn ang="0">
+                <a:pos x="connsiteX6" y="connsiteY6"/>
+              </a:cxn>
+            </a:cxnLst>
+            <a:rect l="l" t="t" r="r" b="b"/>
+            <a:pathLst>
+              <a:path w="4948887" h="6858000">
+                <a:moveTo>
+                  <a:pt x="0" y="0"/>
+                </a:moveTo>
+                <a:lnTo>
+                  <a:pt x="4099967" y="0"/>
+                </a:lnTo>
+                <a:lnTo>
+                  <a:pt x="4168864" y="123368"/>
+                </a:lnTo>
+                <a:cubicBezTo>
+                  <a:pt x="4658769" y="1045156"/>
+                  <a:pt x="4948887" y="2189404"/>
+                  <a:pt x="4948887" y="3429000"/>
+                </a:cubicBezTo>
+                <a:cubicBezTo>
+                  <a:pt x="4948887" y="4668597"/>
+                  <a:pt x="4658769" y="5812845"/>
+                  <a:pt x="4168864" y="6734633"/>
+                </a:cubicBezTo>
+                <a:lnTo>
+                  <a:pt x="4099967" y="6858000"/>
+                </a:lnTo>
+                <a:lnTo>
+                  <a:pt x="0" y="6858000"/>
+                </a:lnTo>
+                <a:close/>
+              </a:path>
+            </a:pathLst>
+          </a:custGeom>
+          <a:ln w="9525">
+            <a:noFill/>
+          </a:ln>
+          <a:effectLst/>
+        </p:spPr>
+        <p:style>
+          <a:lnRef idx="2">
+            <a:schemeClr val="accent1">
+              <a:shade val="50000"/>
+            </a:schemeClr>
+          </a:lnRef>
+          <a:fillRef idx="1">
+            <a:schemeClr val="accent1"/>
+          </a:fillRef>
+          <a:effectRef idx="0">
+            <a:schemeClr val="accent1"/>
+          </a:effectRef>
+          <a:fontRef idx="minor">
+            <a:schemeClr val="lt1"/>
+          </a:fontRef>
+        </p:style>
+        <p:txBody>
+          <a:bodyPr wrap="square" rtlCol="0" anchor="ctr">
+            <a:noAutofit/>
+          </a:bodyPr>
+          <a:lstStyle/>
+          <a:p>
+            <a:pPr marL="0" marR="0" lvl="0" indent="0" algn="ctr" defTabSz="914400" rtl="0" eaLnBrk="1" fontAlgn="auto" latinLnBrk="0" hangingPunct="1">
+              <a:lnSpc>
+                <a:spcPct val="100000"/>
+              </a:lnSpc>
+              <a:spcBef>
+                <a:spcPts val="0"/>
+              </a:spcBef>
+              <a:spcAft>
+                <a:spcPts val="0"/>
+              </a:spcAft>
+              <a:buClrTx/>
+              <a:buSzTx/>
+              <a:buFontTx/>
+              <a:buNone/>
+              <a:tabLst/>
+              <a:defRPr/>
+            </a:pPr>
+            <a:endParaRPr kumimoji="0" lang="en-US" sz="1800" b="0" i="0" u="none" strike="noStrike" kern="1200" cap="none" spc="0" normalizeH="0" baseline="0" noProof="0">
+              <a:ln>
+                <a:noFill/>
+              </a:ln>
+              <a:solidFill>
+                <a:prstClr val="white"/>
+              </a:solidFill>
+              <a:effectLst/>
+              <a:uLnTx/>
+              <a:uFillTx/>
+              <a:latin typeface="Calibri" panose="020F0502020204030204"/>
+              <a:ea typeface="+mn-ea"/>
+              <a:cs typeface="+mn-cs"/>
+            </a:endParaRPr>
+          </a:p>
+        </p:txBody>
+      </p:sp>
+      <p:sp>
+        <p:nvSpPr>
+          <p:cNvPr id="2" name="Title 1">
+            <a:extLst>
+              <a:ext uri="{FF2B5EF4-FFF2-40B4-BE49-F238E27FC236}">
+                <a16:creationId xmlns:a16="http://schemas.microsoft.com/office/drawing/2014/main" id="{8466B09C-1692-D0F8-9006-1707C55A38D8}"/>
+              </a:ext>
+            </a:extLst>
+          </p:cNvPr>
+          <p:cNvSpPr>
+            <a:spLocks noGrp="1"/>
+          </p:cNvSpPr>
+          <p:nvPr>
+            <p:ph type="title"/>
+          </p:nvPr>
+        </p:nvSpPr>
+        <p:spPr>
+          <a:xfrm>
+            <a:off x="477981" y="1122362"/>
+            <a:ext cx="4023360" cy="3424557"/>
+          </a:xfrm>
+        </p:spPr>
+        <p:txBody>
+          <a:bodyPr vert="horz" lIns="91440" tIns="45720" rIns="91440" bIns="45720" rtlCol="0" anchor="b">
+            <a:normAutofit/>
+          </a:bodyPr>
+          <a:lstStyle/>
+          <a:p>
+            <a:r>
+              <a:rPr lang="en-US" sz="3700" kern="1200" dirty="0">
+                <a:solidFill>
+                  <a:schemeClr val="tx1"/>
+                </a:solidFill>
+                <a:latin typeface="+mj-lt"/>
+                <a:ea typeface="+mj-ea"/>
+                <a:cs typeface="+mj-cs"/>
+              </a:rPr>
+              <a:t>All Commodities During COVID-19 Pandemic (January November 2022)</a:t>
+            </a:r>
+          </a:p>
+        </p:txBody>
+      </p:sp>
+      <p:sp>
+        <p:nvSpPr>
+          <p:cNvPr id="17" name="Rectangle 16">
+            <a:extLst>
+              <a:ext uri="{FF2B5EF4-FFF2-40B4-BE49-F238E27FC236}">
+                <a16:creationId xmlns:a16="http://schemas.microsoft.com/office/drawing/2014/main" id="{AF2F604E-43BE-4DC3-B983-E071523364F8}"/>
+              </a:ext>
+              <a:ext uri="{C183D7F6-B498-43B3-948B-1728B52AA6E4}">
+                <adec:decorative xmlns:adec="http://schemas.microsoft.com/office/drawing/2017/decorative" val="1"/>
+              </a:ext>
+            </a:extLst>
+          </p:cNvPr>
+          <p:cNvSpPr>
+            <a:spLocks noGrp="1" noRot="1" noChangeAspect="1" noMove="1" noResize="1" noEditPoints="1" noAdjustHandles="1" noChangeArrowheads="1" noChangeShapeType="1" noTextEdit="1"/>
+          </p:cNvSpPr>
+          <p:nvPr>
+            <p:extLst>
+              <p:ext uri="{386F3935-93C4-4BCD-93E2-E3B085C9AB24}">
+                <p16:designElem xmlns:p16="http://schemas.microsoft.com/office/powerpoint/2015/main" val="1"/>
+              </p:ext>
+            </p:extLst>
+          </p:nvPr>
+        </p:nvSpPr>
+        <p:spPr>
+          <a:xfrm rot="5400000">
+            <a:off x="759921" y="346791"/>
+            <a:ext cx="146304" cy="704088"/>
+          </a:xfrm>
+          <a:prstGeom prst="rect">
+            <a:avLst/>
+          </a:prstGeom>
+          <a:solidFill>
+            <a:schemeClr val="accent2"/>
+          </a:solidFill>
+          <a:ln>
+            <a:noFill/>
+          </a:ln>
+        </p:spPr>
+        <p:style>
+          <a:lnRef idx="2">
+            <a:schemeClr val="accent1">
+              <a:shade val="50000"/>
+            </a:schemeClr>
+          </a:lnRef>
+          <a:fillRef idx="1">
+            <a:schemeClr val="accent1"/>
+          </a:fillRef>
+          <a:effectRef idx="0">
+            <a:schemeClr val="accent1"/>
+          </a:effectRef>
+          <a:fontRef idx="minor">
+            <a:schemeClr val="lt1"/>
+          </a:fontRef>
+        </p:style>
+        <p:txBody>
+          <a:bodyPr rtlCol="0" anchor="ctr"/>
+          <a:lstStyle/>
+          <a:p>
+            <a:pPr algn="ctr"/>
+            <a:endParaRPr lang="en-US">
+              <a:solidFill>
+                <a:prstClr val="white"/>
+              </a:solidFill>
+              <a:latin typeface="Calibri" panose="020F0502020204030204"/>
+            </a:endParaRPr>
+          </a:p>
+        </p:txBody>
+      </p:sp>
+      <p:sp>
+        <p:nvSpPr>
+          <p:cNvPr id="19" name="Rectangle 18">
+            <a:extLst>
+              <a:ext uri="{FF2B5EF4-FFF2-40B4-BE49-F238E27FC236}">
+                <a16:creationId xmlns:a16="http://schemas.microsoft.com/office/drawing/2014/main" id="{08C9B587-E65E-4B52-B37C-ABEBB6E87928}"/>
+              </a:ext>
+              <a:ext uri="{C183D7F6-B498-43B3-948B-1728B52AA6E4}">
+                <adec:decorative xmlns:adec="http://schemas.microsoft.com/office/drawing/2017/decorative" val="1"/>
+              </a:ext>
+            </a:extLst>
+          </p:cNvPr>
+          <p:cNvSpPr>
+            <a:spLocks noGrp="1" noRot="1" noChangeAspect="1" noMove="1" noResize="1" noEditPoints="1" noAdjustHandles="1" noChangeArrowheads="1" noChangeShapeType="1" noTextEdit="1"/>
+          </p:cNvSpPr>
+          <p:nvPr>
+            <p:extLst>
+              <p:ext uri="{386F3935-93C4-4BCD-93E2-E3B085C9AB24}">
+                <p16:designElem xmlns:p16="http://schemas.microsoft.com/office/powerpoint/2015/main" val="1"/>
+              </p:ext>
+            </p:extLst>
+          </p:nvPr>
+        </p:nvSpPr>
+        <p:spPr>
+          <a:xfrm>
+            <a:off x="481029" y="4546920"/>
+            <a:ext cx="4023360" cy="18288"/>
+          </a:xfrm>
+          <a:prstGeom prst="rect">
+            <a:avLst/>
+          </a:prstGeom>
+          <a:solidFill>
+            <a:srgbClr val="D5D5D5"/>
+          </a:solidFill>
+          <a:ln w="3175">
+            <a:noFill/>
+          </a:ln>
+          <a:effectLst/>
+        </p:spPr>
+        <p:style>
+          <a:lnRef idx="2">
+            <a:schemeClr val="accent1">
+              <a:shade val="50000"/>
+            </a:schemeClr>
+          </a:lnRef>
+          <a:fillRef idx="1">
+            <a:schemeClr val="accent1"/>
+          </a:fillRef>
+          <a:effectRef idx="0">
+            <a:schemeClr val="accent1"/>
+          </a:effectRef>
+          <a:fontRef idx="minor">
+            <a:schemeClr val="lt1"/>
+          </a:fontRef>
+        </p:style>
+        <p:txBody>
+          <a:bodyPr rtlCol="0" anchor="ctr"/>
+          <a:lstStyle/>
+          <a:p>
+            <a:pPr marL="0" marR="0" lvl="0" indent="0" algn="ctr" defTabSz="914400" rtl="0" eaLnBrk="1" fontAlgn="auto" latinLnBrk="0" hangingPunct="1">
+              <a:lnSpc>
+                <a:spcPct val="100000"/>
+              </a:lnSpc>
+              <a:spcBef>
+                <a:spcPts val="0"/>
+              </a:spcBef>
+              <a:spcAft>
+                <a:spcPts val="0"/>
+              </a:spcAft>
+              <a:buClrTx/>
+              <a:buSzTx/>
+              <a:buFontTx/>
+              <a:buNone/>
+              <a:tabLst/>
+              <a:defRPr/>
+            </a:pPr>
+            <a:endParaRPr kumimoji="0" lang="en-US" sz="1800" b="0" i="0" u="none" strike="noStrike" kern="1200" cap="none" spc="0" normalizeH="0" baseline="0" noProof="0">
+              <a:ln>
+                <a:noFill/>
+              </a:ln>
+              <a:solidFill>
+                <a:prstClr val="white"/>
+              </a:solidFill>
+              <a:effectLst/>
+              <a:uLnTx/>
+              <a:uFillTx/>
+              <a:latin typeface="Calibri" panose="020F0502020204030204"/>
+              <a:ea typeface="+mn-ea"/>
+              <a:cs typeface="+mn-cs"/>
+            </a:endParaRPr>
+          </a:p>
+        </p:txBody>
+      </p:sp>
+      <p:pic>
+        <p:nvPicPr>
+          <p:cNvPr id="20" name="Picture Placeholder 19" descr="Chart, histogram&#10;&#10;Description automatically generated">
+            <a:extLst>
+              <a:ext uri="{FF2B5EF4-FFF2-40B4-BE49-F238E27FC236}">
+                <a16:creationId xmlns:a16="http://schemas.microsoft.com/office/drawing/2014/main" id="{0E53FD35-5027-30DC-ACB5-608E67875111}"/>
+              </a:ext>
+            </a:extLst>
+          </p:cNvPr>
+          <p:cNvPicPr>
+            <a:picLocks noGrp="1" noChangeAspect="1"/>
+          </p:cNvPicPr>
+          <p:nvPr>
+            <p:ph type="pic" idx="1"/>
+          </p:nvPr>
+        </p:nvPicPr>
+        <p:blipFill>
+          <a:blip r:embed="rId2"/>
+          <a:srcRect t="649" b="649"/>
+          <a:stretch>
+            <a:fillRect/>
+          </a:stretch>
+        </p:blipFill>
+        <p:spPr>
+          <a:xfrm>
+            <a:off x="4979322" y="516835"/>
+            <a:ext cx="6972044" cy="5505189"/>
+          </a:xfrm>
+        </p:spPr>
+      </p:pic>
+    </p:spTree>
+    <p:extLst>
+      <p:ext uri="{BB962C8B-B14F-4D97-AF65-F5344CB8AC3E}">
+        <p14:creationId xmlns:p14="http://schemas.microsoft.com/office/powerpoint/2010/main" val="2174537924"/>
+      </p:ext>
+    </p:extLst>
+  </p:cSld>
+  <p:clrMapOvr>
+    <a:masterClrMapping/>
+  </p:clrMapOvr>
+</p:sld>
+</file>
+
 <file path=ppt/theme/theme1.xml><?xml version="1.0" encoding="utf-8"?>
 <a:theme xmlns:a="http://schemas.openxmlformats.org/drawingml/2006/main" name="Office Theme">
   <a:themeElements>

--- a/outputs/final_presentation.pptx
+++ b/outputs/final_presentation.pptx
@@ -14,6 +14,7 @@
     <p:sldId id="257" r:id="rId8"/>
     <p:sldId id="260" r:id="rId9"/>
     <p:sldId id="266" r:id="rId10"/>
+    <p:sldId id="267" r:id="rId11"/>
   </p:sldIdLst>
   <p:sldSz cx="12192000" cy="6858000"/>
   <p:notesSz cx="6858000" cy="9144000"/>
@@ -123,7 +124,7 @@
 <file path=ppt/revisionInfo.xml><?xml version="1.0" encoding="utf-8"?>
 <p1510:revInfo xmlns:a="http://schemas.openxmlformats.org/drawingml/2006/main" xmlns:r="http://schemas.openxmlformats.org/officeDocument/2006/relationships" xmlns:p1510="http://schemas.microsoft.com/office/powerpoint/2015/10/main">
   <p1510:revLst>
-    <p1510:client id="{F4E89585-091A-D64A-98FD-C4B5F27A8BD2}" v="3" dt="2023-02-09T00:22:04.924"/>
+    <p1510:client id="{F4E89585-091A-D64A-98FD-C4B5F27A8BD2}" v="4" dt="2023-02-09T00:59:33.240"/>
   </p1510:revLst>
 </p1510:revInfo>
 </file>
@@ -132,11 +133,193 @@
 <pc:chgInfo xmlns:a="http://schemas.openxmlformats.org/drawingml/2006/main" xmlns:r="http://schemas.openxmlformats.org/officeDocument/2006/relationships" xmlns:ac="http://schemas.microsoft.com/office/drawing/2013/main/command" xmlns:pc="http://schemas.microsoft.com/office/powerpoint/2013/main/command">
   <pc:docChgLst>
     <pc:chgData name="Rebecca Cantu Davidson" userId="71c25ae9df02aa0f" providerId="LiveId" clId="{F4E89585-091A-D64A-98FD-C4B5F27A8BD2}"/>
-    <pc:docChg chg="custSel addSld modSld">
-      <pc:chgData name="Rebecca Cantu Davidson" userId="71c25ae9df02aa0f" providerId="LiveId" clId="{F4E89585-091A-D64A-98FD-C4B5F27A8BD2}" dt="2023-02-09T00:22:11.739" v="36" actId="14100"/>
+    <pc:docChg chg="undo custSel addSld modSld addSection delSection">
+      <pc:chgData name="Rebecca Cantu Davidson" userId="71c25ae9df02aa0f" providerId="LiveId" clId="{F4E89585-091A-D64A-98FD-C4B5F27A8BD2}" dt="2023-02-09T01:09:29.482" v="212" actId="26606"/>
       <pc:docMkLst>
         <pc:docMk/>
       </pc:docMkLst>
+      <pc:sldChg chg="addSp delSp modSp mod setBg setClrOvrMap delDesignElem chgLayout">
+        <pc:chgData name="Rebecca Cantu Davidson" userId="71c25ae9df02aa0f" providerId="LiveId" clId="{F4E89585-091A-D64A-98FD-C4B5F27A8BD2}" dt="2023-02-09T00:55:02.256" v="98" actId="14100"/>
+        <pc:sldMkLst>
+          <pc:docMk/>
+          <pc:sldMk cId="1938678311" sldId="262"/>
+        </pc:sldMkLst>
+        <pc:spChg chg="mod ord">
+          <ac:chgData name="Rebecca Cantu Davidson" userId="71c25ae9df02aa0f" providerId="LiveId" clId="{F4E89585-091A-D64A-98FD-C4B5F27A8BD2}" dt="2023-02-09T00:55:02.256" v="98" actId="14100"/>
+          <ac:spMkLst>
+            <pc:docMk/>
+            <pc:sldMk cId="1938678311" sldId="262"/>
+            <ac:spMk id="2" creationId="{1EDF2763-4176-F59F-49D4-6E7C0EFDC01A}"/>
+          </ac:spMkLst>
+        </pc:spChg>
+        <pc:spChg chg="add mod ord">
+          <ac:chgData name="Rebecca Cantu Davidson" userId="71c25ae9df02aa0f" providerId="LiveId" clId="{F4E89585-091A-D64A-98FD-C4B5F27A8BD2}" dt="2023-02-09T00:54:59.346" v="96" actId="26606"/>
+          <ac:spMkLst>
+            <pc:docMk/>
+            <pc:sldMk cId="1938678311" sldId="262"/>
+            <ac:spMk id="3" creationId="{BB904A8D-4C7F-5386-2D94-5F0D3F1635B6}"/>
+          </ac:spMkLst>
+        </pc:spChg>
+        <pc:spChg chg="add del">
+          <ac:chgData name="Rebecca Cantu Davidson" userId="71c25ae9df02aa0f" providerId="LiveId" clId="{F4E89585-091A-D64A-98FD-C4B5F27A8BD2}" dt="2023-02-09T00:54:59.349" v="97" actId="26606"/>
+          <ac:spMkLst>
+            <pc:docMk/>
+            <pc:sldMk cId="1938678311" sldId="262"/>
+            <ac:spMk id="9" creationId="{71FC7D98-7B8B-402A-90FC-F027482F2142}"/>
+          </ac:spMkLst>
+        </pc:spChg>
+        <pc:spChg chg="add del">
+          <ac:chgData name="Rebecca Cantu Davidson" userId="71c25ae9df02aa0f" providerId="LiveId" clId="{F4E89585-091A-D64A-98FD-C4B5F27A8BD2}" dt="2023-02-09T00:54:59.349" v="97" actId="26606"/>
+          <ac:spMkLst>
+            <pc:docMk/>
+            <pc:sldMk cId="1938678311" sldId="262"/>
+            <ac:spMk id="11" creationId="{AD7356EA-285B-4E5D-8FEC-104659A4FD2C}"/>
+          </ac:spMkLst>
+        </pc:spChg>
+        <pc:spChg chg="del">
+          <ac:chgData name="Rebecca Cantu Davidson" userId="71c25ae9df02aa0f" providerId="LiveId" clId="{F4E89585-091A-D64A-98FD-C4B5F27A8BD2}" dt="2023-02-09T00:53:31.129" v="39" actId="700"/>
+          <ac:spMkLst>
+            <pc:docMk/>
+            <pc:sldMk cId="1938678311" sldId="262"/>
+            <ac:spMk id="13" creationId="{1DB7C82F-AB7E-4F0C-B829-FA1B9C415180}"/>
+          </ac:spMkLst>
+        </pc:spChg>
+        <pc:spChg chg="del">
+          <ac:chgData name="Rebecca Cantu Davidson" userId="71c25ae9df02aa0f" providerId="LiveId" clId="{F4E89585-091A-D64A-98FD-C4B5F27A8BD2}" dt="2023-02-09T00:53:31.129" v="39" actId="700"/>
+          <ac:spMkLst>
+            <pc:docMk/>
+            <pc:sldMk cId="1938678311" sldId="262"/>
+            <ac:spMk id="14" creationId="{F55FFF17-D3D5-4F58-BA56-54EA901CE038}"/>
+          </ac:spMkLst>
+        </pc:spChg>
+        <pc:spChg chg="add del">
+          <ac:chgData name="Rebecca Cantu Davidson" userId="71c25ae9df02aa0f" providerId="LiveId" clId="{F4E89585-091A-D64A-98FD-C4B5F27A8BD2}" dt="2023-02-09T00:54:18.118" v="92" actId="26606"/>
+          <ac:spMkLst>
+            <pc:docMk/>
+            <pc:sldMk cId="1938678311" sldId="262"/>
+            <ac:spMk id="16" creationId="{81610B62-EEF8-4526-A7B2-4E91F13143C0}"/>
+          </ac:spMkLst>
+        </pc:spChg>
+        <pc:spChg chg="add del">
+          <ac:chgData name="Rebecca Cantu Davidson" userId="71c25ae9df02aa0f" providerId="LiveId" clId="{F4E89585-091A-D64A-98FD-C4B5F27A8BD2}" dt="2023-02-09T00:54:18.118" v="92" actId="26606"/>
+          <ac:spMkLst>
+            <pc:docMk/>
+            <pc:sldMk cId="1938678311" sldId="262"/>
+            <ac:spMk id="18" creationId="{71FC7D98-7B8B-402A-90FC-F027482F2142}"/>
+          </ac:spMkLst>
+        </pc:spChg>
+        <pc:spChg chg="add del">
+          <ac:chgData name="Rebecca Cantu Davidson" userId="71c25ae9df02aa0f" providerId="LiveId" clId="{F4E89585-091A-D64A-98FD-C4B5F27A8BD2}" dt="2023-02-09T00:54:18.118" v="92" actId="26606"/>
+          <ac:spMkLst>
+            <pc:docMk/>
+            <pc:sldMk cId="1938678311" sldId="262"/>
+            <ac:spMk id="20" creationId="{AD7356EA-285B-4E5D-8FEC-104659A4FD2C}"/>
+          </ac:spMkLst>
+        </pc:spChg>
+        <pc:spChg chg="add del">
+          <ac:chgData name="Rebecca Cantu Davidson" userId="71c25ae9df02aa0f" providerId="LiveId" clId="{F4E89585-091A-D64A-98FD-C4B5F27A8BD2}" dt="2023-02-09T00:54:20.622" v="94" actId="26606"/>
+          <ac:spMkLst>
+            <pc:docMk/>
+            <pc:sldMk cId="1938678311" sldId="262"/>
+            <ac:spMk id="22" creationId="{71FC7D98-7B8B-402A-90FC-F027482F2142}"/>
+          </ac:spMkLst>
+        </pc:spChg>
+        <pc:spChg chg="add del">
+          <ac:chgData name="Rebecca Cantu Davidson" userId="71c25ae9df02aa0f" providerId="LiveId" clId="{F4E89585-091A-D64A-98FD-C4B5F27A8BD2}" dt="2023-02-09T00:54:20.622" v="94" actId="26606"/>
+          <ac:spMkLst>
+            <pc:docMk/>
+            <pc:sldMk cId="1938678311" sldId="262"/>
+            <ac:spMk id="23" creationId="{AD7356EA-285B-4E5D-8FEC-104659A4FD2C}"/>
+          </ac:spMkLst>
+        </pc:spChg>
+        <pc:spChg chg="add del">
+          <ac:chgData name="Rebecca Cantu Davidson" userId="71c25ae9df02aa0f" providerId="LiveId" clId="{F4E89585-091A-D64A-98FD-C4B5F27A8BD2}" dt="2023-02-09T00:54:59.346" v="96" actId="26606"/>
+          <ac:spMkLst>
+            <pc:docMk/>
+            <pc:sldMk cId="1938678311" sldId="262"/>
+            <ac:spMk id="25" creationId="{9089EED9-F54D-4F20-A2C6-949DE4176959}"/>
+          </ac:spMkLst>
+        </pc:spChg>
+        <pc:spChg chg="add del">
+          <ac:chgData name="Rebecca Cantu Davidson" userId="71c25ae9df02aa0f" providerId="LiveId" clId="{F4E89585-091A-D64A-98FD-C4B5F27A8BD2}" dt="2023-02-09T00:54:59.346" v="96" actId="26606"/>
+          <ac:spMkLst>
+            <pc:docMk/>
+            <pc:sldMk cId="1938678311" sldId="262"/>
+            <ac:spMk id="26" creationId="{1A85619E-59AB-4E59-8DD1-77D17FCB331C}"/>
+          </ac:spMkLst>
+        </pc:spChg>
+        <pc:spChg chg="add del">
+          <ac:chgData name="Rebecca Cantu Davidson" userId="71c25ae9df02aa0f" providerId="LiveId" clId="{F4E89585-091A-D64A-98FD-C4B5F27A8BD2}" dt="2023-02-09T00:54:59.346" v="96" actId="26606"/>
+          <ac:spMkLst>
+            <pc:docMk/>
+            <pc:sldMk cId="1938678311" sldId="262"/>
+            <ac:spMk id="27" creationId="{B5AAC39E-8294-44DC-AB9F-2B9F22C397E1}"/>
+          </ac:spMkLst>
+        </pc:spChg>
+        <pc:spChg chg="add del">
+          <ac:chgData name="Rebecca Cantu Davidson" userId="71c25ae9df02aa0f" providerId="LiveId" clId="{F4E89585-091A-D64A-98FD-C4B5F27A8BD2}" dt="2023-02-09T00:54:59.346" v="96" actId="26606"/>
+          <ac:spMkLst>
+            <pc:docMk/>
+            <pc:sldMk cId="1938678311" sldId="262"/>
+            <ac:spMk id="28" creationId="{11685A1B-C158-49A6-BF8F-0D48688527D1}"/>
+          </ac:spMkLst>
+        </pc:spChg>
+        <pc:spChg chg="add">
+          <ac:chgData name="Rebecca Cantu Davidson" userId="71c25ae9df02aa0f" providerId="LiveId" clId="{F4E89585-091A-D64A-98FD-C4B5F27A8BD2}" dt="2023-02-09T00:54:59.349" v="97" actId="26606"/>
+          <ac:spMkLst>
+            <pc:docMk/>
+            <pc:sldMk cId="1938678311" sldId="262"/>
+            <ac:spMk id="30" creationId="{71FC7D98-7B8B-402A-90FC-F027482F2142}"/>
+          </ac:spMkLst>
+        </pc:spChg>
+        <pc:spChg chg="add">
+          <ac:chgData name="Rebecca Cantu Davidson" userId="71c25ae9df02aa0f" providerId="LiveId" clId="{F4E89585-091A-D64A-98FD-C4B5F27A8BD2}" dt="2023-02-09T00:54:59.349" v="97" actId="26606"/>
+          <ac:spMkLst>
+            <pc:docMk/>
+            <pc:sldMk cId="1938678311" sldId="262"/>
+            <ac:spMk id="31" creationId="{AD7356EA-285B-4E5D-8FEC-104659A4FD2C}"/>
+          </ac:spMkLst>
+        </pc:spChg>
+        <pc:picChg chg="mod">
+          <ac:chgData name="Rebecca Cantu Davidson" userId="71c25ae9df02aa0f" providerId="LiveId" clId="{F4E89585-091A-D64A-98FD-C4B5F27A8BD2}" dt="2023-02-09T00:54:59.346" v="96" actId="26606"/>
+          <ac:picMkLst>
+            <pc:docMk/>
+            <pc:sldMk cId="1938678311" sldId="262"/>
+            <ac:picMk id="4" creationId="{27A4D132-B480-B28A-26CD-6D795523D1E8}"/>
+          </ac:picMkLst>
+        </pc:picChg>
+      </pc:sldChg>
+      <pc:sldChg chg="addSp modSp mod">
+        <pc:chgData name="Rebecca Cantu Davidson" userId="71c25ae9df02aa0f" providerId="LiveId" clId="{F4E89585-091A-D64A-98FD-C4B5F27A8BD2}" dt="2023-02-09T01:01:08.701" v="175" actId="207"/>
+        <pc:sldMkLst>
+          <pc:docMk/>
+          <pc:sldMk cId="2753475253" sldId="265"/>
+        </pc:sldMkLst>
+        <pc:spChg chg="mod">
+          <ac:chgData name="Rebecca Cantu Davidson" userId="71c25ae9df02aa0f" providerId="LiveId" clId="{F4E89585-091A-D64A-98FD-C4B5F27A8BD2}" dt="2023-02-09T00:59:12.090" v="111" actId="27636"/>
+          <ac:spMkLst>
+            <pc:docMk/>
+            <pc:sldMk cId="2753475253" sldId="265"/>
+            <ac:spMk id="6" creationId="{3B4FE557-2DD6-89FF-2CB3-3592AF1DA299}"/>
+          </ac:spMkLst>
+        </pc:spChg>
+        <pc:spChg chg="mod">
+          <ac:chgData name="Rebecca Cantu Davidson" userId="71c25ae9df02aa0f" providerId="LiveId" clId="{F4E89585-091A-D64A-98FD-C4B5F27A8BD2}" dt="2023-02-09T00:59:26.927" v="113" actId="255"/>
+          <ac:spMkLst>
+            <pc:docMk/>
+            <pc:sldMk cId="2753475253" sldId="265"/>
+            <ac:spMk id="7" creationId="{BC0F46EC-1FF5-D253-A6E4-281199A24E8A}"/>
+          </ac:spMkLst>
+        </pc:spChg>
+        <pc:spChg chg="add mod">
+          <ac:chgData name="Rebecca Cantu Davidson" userId="71c25ae9df02aa0f" providerId="LiveId" clId="{F4E89585-091A-D64A-98FD-C4B5F27A8BD2}" dt="2023-02-09T01:01:08.701" v="175" actId="207"/>
+          <ac:spMkLst>
+            <pc:docMk/>
+            <pc:sldMk cId="2753475253" sldId="265"/>
+            <ac:spMk id="9" creationId="{4C1DE64F-2037-29AD-59D1-C863B13253EF}"/>
+          </ac:spMkLst>
+        </pc:spChg>
+      </pc:sldChg>
       <pc:sldChg chg="addSp delSp modSp add mod">
         <pc:chgData name="Rebecca Cantu Davidson" userId="71c25ae9df02aa0f" providerId="LiveId" clId="{F4E89585-091A-D64A-98FD-C4B5F27A8BD2}" dt="2023-02-09T00:22:11.739" v="36" actId="14100"/>
         <pc:sldMkLst>
@@ -205,6 +388,157 @@
             <pc:docMk/>
             <pc:sldMk cId="2174537924" sldId="266"/>
             <ac:picMk id="20" creationId="{0E53FD35-5027-30DC-ACB5-608E67875111}"/>
+          </ac:picMkLst>
+        </pc:picChg>
+      </pc:sldChg>
+      <pc:sldChg chg="addSp delSp modSp new mod setBg modClrScheme chgLayout">
+        <pc:chgData name="Rebecca Cantu Davidson" userId="71c25ae9df02aa0f" providerId="LiveId" clId="{F4E89585-091A-D64A-98FD-C4B5F27A8BD2}" dt="2023-02-09T01:09:29.482" v="212" actId="26606"/>
+        <pc:sldMkLst>
+          <pc:docMk/>
+          <pc:sldMk cId="2314146775" sldId="267"/>
+        </pc:sldMkLst>
+        <pc:spChg chg="mod ord">
+          <ac:chgData name="Rebecca Cantu Davidson" userId="71c25ae9df02aa0f" providerId="LiveId" clId="{F4E89585-091A-D64A-98FD-C4B5F27A8BD2}" dt="2023-02-09T01:09:29.482" v="212" actId="26606"/>
+          <ac:spMkLst>
+            <pc:docMk/>
+            <pc:sldMk cId="2314146775" sldId="267"/>
+            <ac:spMk id="2" creationId="{925069B7-C32B-FEF1-6C19-9B62558865B7}"/>
+          </ac:spMkLst>
+        </pc:spChg>
+        <pc:spChg chg="del">
+          <ac:chgData name="Rebecca Cantu Davidson" userId="71c25ae9df02aa0f" providerId="LiveId" clId="{F4E89585-091A-D64A-98FD-C4B5F27A8BD2}" dt="2023-02-09T01:09:05.463" v="207" actId="700"/>
+          <ac:spMkLst>
+            <pc:docMk/>
+            <pc:sldMk cId="2314146775" sldId="267"/>
+            <ac:spMk id="3" creationId="{5B368BBA-E0CB-6775-AAFD-AC48F99C0D6F}"/>
+          </ac:spMkLst>
+        </pc:spChg>
+        <pc:spChg chg="mod ord">
+          <ac:chgData name="Rebecca Cantu Davidson" userId="71c25ae9df02aa0f" providerId="LiveId" clId="{F4E89585-091A-D64A-98FD-C4B5F27A8BD2}" dt="2023-02-09T01:09:29.482" v="212" actId="26606"/>
+          <ac:spMkLst>
+            <pc:docMk/>
+            <pc:sldMk cId="2314146775" sldId="267"/>
+            <ac:spMk id="4" creationId="{DAFB53F2-26D0-C9CF-D57E-F88A49446EE6}"/>
+          </ac:spMkLst>
+        </pc:spChg>
+        <pc:spChg chg="add del">
+          <ac:chgData name="Rebecca Cantu Davidson" userId="71c25ae9df02aa0f" providerId="LiveId" clId="{F4E89585-091A-D64A-98FD-C4B5F27A8BD2}" dt="2023-02-09T01:09:15.842" v="209" actId="26606"/>
+          <ac:spMkLst>
+            <pc:docMk/>
+            <pc:sldMk cId="2314146775" sldId="267"/>
+            <ac:spMk id="10" creationId="{E91DC736-0EF8-4F87-9146-EBF1D2EE4D3D}"/>
+          </ac:spMkLst>
+        </pc:spChg>
+        <pc:spChg chg="add del">
+          <ac:chgData name="Rebecca Cantu Davidson" userId="71c25ae9df02aa0f" providerId="LiveId" clId="{F4E89585-091A-D64A-98FD-C4B5F27A8BD2}" dt="2023-02-09T01:09:15.842" v="209" actId="26606"/>
+          <ac:spMkLst>
+            <pc:docMk/>
+            <pc:sldMk cId="2314146775" sldId="267"/>
+            <ac:spMk id="12" creationId="{097CD68E-23E3-4007-8847-CD0944C4F7BE}"/>
+          </ac:spMkLst>
+        </pc:spChg>
+        <pc:spChg chg="add del">
+          <ac:chgData name="Rebecca Cantu Davidson" userId="71c25ae9df02aa0f" providerId="LiveId" clId="{F4E89585-091A-D64A-98FD-C4B5F27A8BD2}" dt="2023-02-09T01:09:15.842" v="209" actId="26606"/>
+          <ac:spMkLst>
+            <pc:docMk/>
+            <pc:sldMk cId="2314146775" sldId="267"/>
+            <ac:spMk id="14" creationId="{AF2F604E-43BE-4DC3-B983-E071523364F8}"/>
+          </ac:spMkLst>
+        </pc:spChg>
+        <pc:spChg chg="add del">
+          <ac:chgData name="Rebecca Cantu Davidson" userId="71c25ae9df02aa0f" providerId="LiveId" clId="{F4E89585-091A-D64A-98FD-C4B5F27A8BD2}" dt="2023-02-09T01:09:15.842" v="209" actId="26606"/>
+          <ac:spMkLst>
+            <pc:docMk/>
+            <pc:sldMk cId="2314146775" sldId="267"/>
+            <ac:spMk id="16" creationId="{08C9B587-E65E-4B52-B37C-ABEBB6E87928}"/>
+          </ac:spMkLst>
+        </pc:spChg>
+        <pc:spChg chg="add del">
+          <ac:chgData name="Rebecca Cantu Davidson" userId="71c25ae9df02aa0f" providerId="LiveId" clId="{F4E89585-091A-D64A-98FD-C4B5F27A8BD2}" dt="2023-02-09T01:09:29.449" v="211" actId="26606"/>
+          <ac:spMkLst>
+            <pc:docMk/>
+            <pc:sldMk cId="2314146775" sldId="267"/>
+            <ac:spMk id="18" creationId="{E91DC736-0EF8-4F87-9146-EBF1D2EE4D3D}"/>
+          </ac:spMkLst>
+        </pc:spChg>
+        <pc:spChg chg="add del">
+          <ac:chgData name="Rebecca Cantu Davidson" userId="71c25ae9df02aa0f" providerId="LiveId" clId="{F4E89585-091A-D64A-98FD-C4B5F27A8BD2}" dt="2023-02-09T01:09:29.449" v="211" actId="26606"/>
+          <ac:spMkLst>
+            <pc:docMk/>
+            <pc:sldMk cId="2314146775" sldId="267"/>
+            <ac:spMk id="20" creationId="{097CD68E-23E3-4007-8847-CD0944C4F7BE}"/>
+          </ac:spMkLst>
+        </pc:spChg>
+        <pc:spChg chg="add del">
+          <ac:chgData name="Rebecca Cantu Davidson" userId="71c25ae9df02aa0f" providerId="LiveId" clId="{F4E89585-091A-D64A-98FD-C4B5F27A8BD2}" dt="2023-02-09T01:09:29.449" v="211" actId="26606"/>
+          <ac:spMkLst>
+            <pc:docMk/>
+            <pc:sldMk cId="2314146775" sldId="267"/>
+            <ac:spMk id="21" creationId="{AF2F604E-43BE-4DC3-B983-E071523364F8}"/>
+          </ac:spMkLst>
+        </pc:spChg>
+        <pc:spChg chg="add del">
+          <ac:chgData name="Rebecca Cantu Davidson" userId="71c25ae9df02aa0f" providerId="LiveId" clId="{F4E89585-091A-D64A-98FD-C4B5F27A8BD2}" dt="2023-02-09T01:09:29.449" v="211" actId="26606"/>
+          <ac:spMkLst>
+            <pc:docMk/>
+            <pc:sldMk cId="2314146775" sldId="267"/>
+            <ac:spMk id="22" creationId="{08C9B587-E65E-4B52-B37C-ABEBB6E87928}"/>
+          </ac:spMkLst>
+        </pc:spChg>
+        <pc:spChg chg="add">
+          <ac:chgData name="Rebecca Cantu Davidson" userId="71c25ae9df02aa0f" providerId="LiveId" clId="{F4E89585-091A-D64A-98FD-C4B5F27A8BD2}" dt="2023-02-09T01:09:29.482" v="212" actId="26606"/>
+          <ac:spMkLst>
+            <pc:docMk/>
+            <pc:sldMk cId="2314146775" sldId="267"/>
+            <ac:spMk id="24" creationId="{E91DC736-0EF8-4F87-9146-EBF1D2EE4D3D}"/>
+          </ac:spMkLst>
+        </pc:spChg>
+        <pc:spChg chg="add">
+          <ac:chgData name="Rebecca Cantu Davidson" userId="71c25ae9df02aa0f" providerId="LiveId" clId="{F4E89585-091A-D64A-98FD-C4B5F27A8BD2}" dt="2023-02-09T01:09:29.482" v="212" actId="26606"/>
+          <ac:spMkLst>
+            <pc:docMk/>
+            <pc:sldMk cId="2314146775" sldId="267"/>
+            <ac:spMk id="26" creationId="{097CD68E-23E3-4007-8847-CD0944C4F7BE}"/>
+          </ac:spMkLst>
+        </pc:spChg>
+        <pc:spChg chg="add">
+          <ac:chgData name="Rebecca Cantu Davidson" userId="71c25ae9df02aa0f" providerId="LiveId" clId="{F4E89585-091A-D64A-98FD-C4B5F27A8BD2}" dt="2023-02-09T01:09:29.482" v="212" actId="26606"/>
+          <ac:spMkLst>
+            <pc:docMk/>
+            <pc:sldMk cId="2314146775" sldId="267"/>
+            <ac:spMk id="27" creationId="{AF2F604E-43BE-4DC3-B983-E071523364F8}"/>
+          </ac:spMkLst>
+        </pc:spChg>
+        <pc:spChg chg="add">
+          <ac:chgData name="Rebecca Cantu Davidson" userId="71c25ae9df02aa0f" providerId="LiveId" clId="{F4E89585-091A-D64A-98FD-C4B5F27A8BD2}" dt="2023-02-09T01:09:29.482" v="212" actId="26606"/>
+          <ac:spMkLst>
+            <pc:docMk/>
+            <pc:sldMk cId="2314146775" sldId="267"/>
+            <ac:spMk id="28" creationId="{08C9B587-E65E-4B52-B37C-ABEBB6E87928}"/>
+          </ac:spMkLst>
+        </pc:spChg>
+        <pc:picChg chg="add del">
+          <ac:chgData name="Rebecca Cantu Davidson" userId="71c25ae9df02aa0f" providerId="LiveId" clId="{F4E89585-091A-D64A-98FD-C4B5F27A8BD2}" dt="2023-02-09T01:09:15.842" v="209" actId="26606"/>
+          <ac:picMkLst>
+            <pc:docMk/>
+            <pc:sldMk cId="2314146775" sldId="267"/>
+            <ac:picMk id="6" creationId="{0041F1F4-78B6-E16E-9185-2735D4FA3AEC}"/>
+          </ac:picMkLst>
+        </pc:picChg>
+        <pc:picChg chg="add del">
+          <ac:chgData name="Rebecca Cantu Davidson" userId="71c25ae9df02aa0f" providerId="LiveId" clId="{F4E89585-091A-D64A-98FD-C4B5F27A8BD2}" dt="2023-02-09T01:09:29.449" v="211" actId="26606"/>
+          <ac:picMkLst>
+            <pc:docMk/>
+            <pc:sldMk cId="2314146775" sldId="267"/>
+            <ac:picMk id="19" creationId="{AFB9273B-9EB3-77E0-AABF-B24C3C28FF13}"/>
+          </ac:picMkLst>
+        </pc:picChg>
+        <pc:picChg chg="add">
+          <ac:chgData name="Rebecca Cantu Davidson" userId="71c25ae9df02aa0f" providerId="LiveId" clId="{F4E89585-091A-D64A-98FD-C4B5F27A8BD2}" dt="2023-02-09T01:09:29.482" v="212" actId="26606"/>
+          <ac:picMkLst>
+            <pc:docMk/>
+            <pc:sldMk cId="2314146775" sldId="267"/>
+            <ac:picMk id="25" creationId="{0041F1F4-78B6-E16E-9185-2735D4FA3AEC}"/>
           </ac:picMkLst>
         </pc:picChg>
       </pc:sldChg>
@@ -3416,10 +3750,7 @@
     <p:bg>
       <p:bgPr>
         <a:solidFill>
-          <a:schemeClr val="bg1">
-            <a:tint val="95000"/>
-            <a:satMod val="170000"/>
-          </a:schemeClr>
+          <a:schemeClr val="bg1"/>
         </a:solidFill>
         <a:effectLst/>
       </p:bgPr>
@@ -3440,10 +3771,99 @@
       </p:grpSpPr>
       <p:sp>
         <p:nvSpPr>
-          <p:cNvPr id="13" name="Freeform: Shape 8">
-            <a:extLst>
-              <a:ext uri="{FF2B5EF4-FFF2-40B4-BE49-F238E27FC236}">
-                <a16:creationId xmlns:a16="http://schemas.microsoft.com/office/drawing/2014/main" id="{1DB7C82F-AB7E-4F0C-B829-FA1B9C415180}"/>
+          <p:cNvPr id="2" name="Title 1">
+            <a:extLst>
+              <a:ext uri="{FF2B5EF4-FFF2-40B4-BE49-F238E27FC236}">
+                <a16:creationId xmlns:a16="http://schemas.microsoft.com/office/drawing/2014/main" id="{1EDF2763-4176-F59F-49D4-6E7C0EFDC01A}"/>
+              </a:ext>
+            </a:extLst>
+          </p:cNvPr>
+          <p:cNvSpPr>
+            <a:spLocks noGrp="1"/>
+          </p:cNvSpPr>
+          <p:nvPr>
+            <p:ph type="ctrTitle"/>
+          </p:nvPr>
+        </p:nvSpPr>
+        <p:spPr>
+          <a:xfrm>
+            <a:off x="645859" y="640081"/>
+            <a:ext cx="3494341" cy="2788919"/>
+          </a:xfrm>
+          <a:noFill/>
+        </p:spPr>
+        <p:txBody>
+          <a:bodyPr>
+            <a:normAutofit/>
+          </a:bodyPr>
+          <a:lstStyle/>
+          <a:p>
+            <a:pPr algn="l"/>
+            <a:r>
+              <a:rPr lang="en-US" sz="4600" dirty="0"/>
+              <a:t>Commodities in Action</a:t>
+            </a:r>
+          </a:p>
+        </p:txBody>
+      </p:sp>
+      <p:sp>
+        <p:nvSpPr>
+          <p:cNvPr id="3" name="Subtitle 2">
+            <a:extLst>
+              <a:ext uri="{FF2B5EF4-FFF2-40B4-BE49-F238E27FC236}">
+                <a16:creationId xmlns:a16="http://schemas.microsoft.com/office/drawing/2014/main" id="{BB904A8D-4C7F-5386-2D94-5F0D3F1635B6}"/>
+              </a:ext>
+            </a:extLst>
+          </p:cNvPr>
+          <p:cNvSpPr>
+            <a:spLocks noGrp="1"/>
+          </p:cNvSpPr>
+          <p:nvPr>
+            <p:ph type="subTitle" idx="1"/>
+          </p:nvPr>
+        </p:nvSpPr>
+        <p:spPr>
+          <a:xfrm>
+            <a:off x="645858" y="4571999"/>
+            <a:ext cx="3494342" cy="1645921"/>
+          </a:xfrm>
+          <a:noFill/>
+        </p:spPr>
+        <p:txBody>
+          <a:bodyPr>
+            <a:normAutofit/>
+          </a:bodyPr>
+          <a:lstStyle/>
+          <a:p>
+            <a:pPr algn="l"/>
+            <a:r>
+              <a:rPr lang="en-US"/>
+              <a:t>Rebecca Davidson</a:t>
+            </a:r>
+          </a:p>
+          <a:p>
+            <a:pPr algn="l"/>
+            <a:r>
+              <a:rPr lang="en-US"/>
+              <a:t>Chibuzor Ejiaga</a:t>
+            </a:r>
+          </a:p>
+          <a:p>
+            <a:pPr algn="l"/>
+            <a:r>
+              <a:rPr lang="en-US"/>
+              <a:t>Dylan McGullam</a:t>
+            </a:r>
+            <a:endParaRPr lang="en-US" dirty="0"/>
+          </a:p>
+        </p:txBody>
+      </p:sp>
+      <p:sp>
+        <p:nvSpPr>
+          <p:cNvPr id="30" name="Rectangle 15">
+            <a:extLst>
+              <a:ext uri="{FF2B5EF4-FFF2-40B4-BE49-F238E27FC236}">
+                <a16:creationId xmlns:a16="http://schemas.microsoft.com/office/drawing/2014/main" id="{71FC7D98-7B8B-402A-90FC-F027482F2142}"/>
               </a:ext>
               <a:ext uri="{C183D7F6-B498-43B3-948B-1728B52AA6E4}">
                 <adec:decorative xmlns:adec="http://schemas.microsoft.com/office/drawing/2017/decorative" val="1"/>
@@ -3462,88 +3882,15 @@
           </p:nvPr>
         </p:nvSpPr>
         <p:spPr>
-          <a:xfrm flipH="1">
-            <a:off x="0" y="0"/>
-            <a:ext cx="6172782" cy="6858000"/>
+          <a:xfrm>
+            <a:off x="4625926" y="0"/>
+            <a:ext cx="7566074" cy="6858000"/>
           </a:xfrm>
-          <a:custGeom>
+          <a:prstGeom prst="rect">
             <a:avLst/>
-            <a:gdLst>
-              <a:gd name="connsiteX0" fmla="*/ 6172782 w 6172782"/>
-              <a:gd name="connsiteY0" fmla="*/ 0 h 6858000"/>
-              <a:gd name="connsiteX1" fmla="*/ 69075 w 6172782"/>
-              <a:gd name="connsiteY1" fmla="*/ 0 h 6858000"/>
-              <a:gd name="connsiteX2" fmla="*/ 35131 w 6172782"/>
-              <a:gd name="connsiteY2" fmla="*/ 267128 h 6858000"/>
-              <a:gd name="connsiteX3" fmla="*/ 0 w 6172782"/>
-              <a:gd name="connsiteY3" fmla="*/ 962845 h 6858000"/>
-              <a:gd name="connsiteX4" fmla="*/ 3276103 w 6172782"/>
-              <a:gd name="connsiteY4" fmla="*/ 6782205 h 6858000"/>
-              <a:gd name="connsiteX5" fmla="*/ 3407923 w 6172782"/>
-              <a:gd name="connsiteY5" fmla="*/ 6858000 h 6858000"/>
-              <a:gd name="connsiteX6" fmla="*/ 6172782 w 6172782"/>
-              <a:gd name="connsiteY6" fmla="*/ 6858000 h 6858000"/>
-            </a:gdLst>
-            <a:ahLst/>
-            <a:cxnLst>
-              <a:cxn ang="0">
-                <a:pos x="connsiteX0" y="connsiteY0"/>
-              </a:cxn>
-              <a:cxn ang="0">
-                <a:pos x="connsiteX1" y="connsiteY1"/>
-              </a:cxn>
-              <a:cxn ang="0">
-                <a:pos x="connsiteX2" y="connsiteY2"/>
-              </a:cxn>
-              <a:cxn ang="0">
-                <a:pos x="connsiteX3" y="connsiteY3"/>
-              </a:cxn>
-              <a:cxn ang="0">
-                <a:pos x="connsiteX4" y="connsiteY4"/>
-              </a:cxn>
-              <a:cxn ang="0">
-                <a:pos x="connsiteX5" y="connsiteY5"/>
-              </a:cxn>
-              <a:cxn ang="0">
-                <a:pos x="connsiteX6" y="connsiteY6"/>
-              </a:cxn>
-            </a:cxnLst>
-            <a:rect l="l" t="t" r="r" b="b"/>
-            <a:pathLst>
-              <a:path w="6172782" h="6858000">
-                <a:moveTo>
-                  <a:pt x="6172782" y="0"/>
-                </a:moveTo>
-                <a:lnTo>
-                  <a:pt x="69075" y="0"/>
-                </a:lnTo>
-                <a:lnTo>
-                  <a:pt x="35131" y="267128"/>
-                </a:lnTo>
-                <a:cubicBezTo>
-                  <a:pt x="11901" y="495874"/>
-                  <a:pt x="0" y="727970"/>
-                  <a:pt x="0" y="962845"/>
-                </a:cubicBezTo>
-                <a:cubicBezTo>
-                  <a:pt x="0" y="3429034"/>
-                  <a:pt x="1312002" y="5588789"/>
-                  <a:pt x="3276103" y="6782205"/>
-                </a:cubicBezTo>
-                <a:lnTo>
-                  <a:pt x="3407923" y="6858000"/>
-                </a:lnTo>
-                <a:lnTo>
-                  <a:pt x="6172782" y="6858000"/>
-                </a:lnTo>
-                <a:close/>
-              </a:path>
-            </a:pathLst>
-          </a:custGeom>
+          </a:prstGeom>
           <a:solidFill>
-            <a:srgbClr val="FFFFFF">
-              <a:alpha val="60000"/>
-            </a:srgbClr>
+            <a:srgbClr val="C8CACA"/>
           </a:solidFill>
           <a:ln>
             <a:noFill/>
@@ -3566,9 +3913,7 @@
           </a:fontRef>
         </p:style>
         <p:txBody>
-          <a:bodyPr wrap="square" rtlCol="0" anchor="ctr">
-            <a:noAutofit/>
-          </a:bodyPr>
+          <a:bodyPr rtlCol="0" anchor="ctr"/>
           <a:lstStyle/>
           <a:p>
             <a:pPr marL="0" marR="0" lvl="0" indent="0" algn="ctr" defTabSz="914400" rtl="0" eaLnBrk="1" fontAlgn="auto" latinLnBrk="0" hangingPunct="1">
@@ -3607,10 +3952,10 @@
       </p:sp>
       <p:sp>
         <p:nvSpPr>
-          <p:cNvPr id="14" name="Freeform: Shape 10">
-            <a:extLst>
-              <a:ext uri="{FF2B5EF4-FFF2-40B4-BE49-F238E27FC236}">
-                <a16:creationId xmlns:a16="http://schemas.microsoft.com/office/drawing/2014/main" id="{F55FFF17-D3D5-4F58-BA56-54EA901CE038}"/>
+          <p:cNvPr id="31" name="Rounded Rectangle 28">
+            <a:extLst>
+              <a:ext uri="{FF2B5EF4-FFF2-40B4-BE49-F238E27FC236}">
+                <a16:creationId xmlns:a16="http://schemas.microsoft.com/office/drawing/2014/main" id="{AD7356EA-285B-4E5D-8FEC-104659A4FD2C}"/>
               </a:ext>
               <a:ext uri="{C183D7F6-B498-43B3-948B-1728B52AA6E4}">
                 <adec:decorative xmlns:adec="http://schemas.microsoft.com/office/drawing/2017/decorative" val="1"/>
@@ -3630,91 +3975,29 @@
         </p:nvSpPr>
         <p:spPr>
           <a:xfrm>
-            <a:off x="0" y="0"/>
-            <a:ext cx="6024154" cy="6858000"/>
+            <a:off x="5275903" y="640091"/>
+            <a:ext cx="6266120" cy="5577818"/>
           </a:xfrm>
-          <a:custGeom>
-            <a:avLst/>
-            <a:gdLst>
-              <a:gd name="connsiteX0" fmla="*/ 0 w 6024154"/>
-              <a:gd name="connsiteY0" fmla="*/ 0 h 6858000"/>
-              <a:gd name="connsiteX1" fmla="*/ 5953780 w 6024154"/>
-              <a:gd name="connsiteY1" fmla="*/ 0 h 6858000"/>
-              <a:gd name="connsiteX2" fmla="*/ 5989880 w 6024154"/>
-              <a:gd name="connsiteY2" fmla="*/ 284091 h 6858000"/>
-              <a:gd name="connsiteX3" fmla="*/ 6024154 w 6024154"/>
-              <a:gd name="connsiteY3" fmla="*/ 962844 h 6858000"/>
-              <a:gd name="connsiteX4" fmla="*/ 2549934 w 6024154"/>
-              <a:gd name="connsiteY4" fmla="*/ 6800152 h 6858000"/>
-              <a:gd name="connsiteX5" fmla="*/ 2436987 w 6024154"/>
-              <a:gd name="connsiteY5" fmla="*/ 6858000 h 6858000"/>
-              <a:gd name="connsiteX6" fmla="*/ 0 w 6024154"/>
-              <a:gd name="connsiteY6" fmla="*/ 6858000 h 6858000"/>
-            </a:gdLst>
-            <a:ahLst/>
-            <a:cxnLst>
-              <a:cxn ang="0">
-                <a:pos x="connsiteX0" y="connsiteY0"/>
-              </a:cxn>
-              <a:cxn ang="0">
-                <a:pos x="connsiteX1" y="connsiteY1"/>
-              </a:cxn>
-              <a:cxn ang="0">
-                <a:pos x="connsiteX2" y="connsiteY2"/>
-              </a:cxn>
-              <a:cxn ang="0">
-                <a:pos x="connsiteX3" y="connsiteY3"/>
-              </a:cxn>
-              <a:cxn ang="0">
-                <a:pos x="connsiteX4" y="connsiteY4"/>
-              </a:cxn>
-              <a:cxn ang="0">
-                <a:pos x="connsiteX5" y="connsiteY5"/>
-              </a:cxn>
-              <a:cxn ang="0">
-                <a:pos x="connsiteX6" y="connsiteY6"/>
-              </a:cxn>
-            </a:cxnLst>
-            <a:rect l="l" t="t" r="r" b="b"/>
-            <a:pathLst>
-              <a:path w="6024154" h="6858000">
-                <a:moveTo>
-                  <a:pt x="0" y="0"/>
-                </a:moveTo>
-                <a:lnTo>
-                  <a:pt x="5953780" y="0"/>
-                </a:lnTo>
-                <a:lnTo>
-                  <a:pt x="5989880" y="284091"/>
-                </a:lnTo>
-                <a:cubicBezTo>
-                  <a:pt x="6012544" y="507260"/>
-                  <a:pt x="6024154" y="733696"/>
-                  <a:pt x="6024154" y="962844"/>
-                </a:cubicBezTo>
-                <a:cubicBezTo>
-                  <a:pt x="6024154" y="3483472"/>
-                  <a:pt x="4619336" y="5675986"/>
-                  <a:pt x="2549934" y="6800152"/>
-                </a:cubicBezTo>
-                <a:lnTo>
-                  <a:pt x="2436987" y="6858000"/>
-                </a:lnTo>
-                <a:lnTo>
-                  <a:pt x="0" y="6858000"/>
-                </a:lnTo>
-                <a:close/>
-              </a:path>
-            </a:pathLst>
-          </a:custGeom>
+          <a:prstGeom prst="roundRect">
+            <a:avLst>
+              <a:gd name="adj" fmla="val 0"/>
+            </a:avLst>
+          </a:prstGeom>
           <a:solidFill>
-            <a:schemeClr val="tx1">
-              <a:alpha val="80000"/>
-            </a:schemeClr>
+            <a:srgbClr val="FFFFFF"/>
           </a:solidFill>
-          <a:ln>
-            <a:noFill/>
+          <a:ln w="9525">
+            <a:solidFill>
+              <a:srgbClr val="C8CACA"/>
+            </a:solidFill>
           </a:ln>
+          <a:effectLst>
+            <a:outerShdw blurRad="57150" dist="19050" dir="5400000" algn="t" rotWithShape="0">
+              <a:prstClr val="black">
+                <a:alpha val="63000"/>
+              </a:prstClr>
+            </a:outerShdw>
+          </a:effectLst>
         </p:spPr>
         <p:style>
           <a:lnRef idx="2">
@@ -3733,9 +4016,7 @@
           </a:fontRef>
         </p:style>
         <p:txBody>
-          <a:bodyPr wrap="square" rtlCol="0" anchor="ctr">
-            <a:noAutofit/>
-          </a:bodyPr>
+          <a:bodyPr rtlCol="0" anchor="ctr"/>
           <a:lstStyle/>
           <a:p>
             <a:pPr marL="0" marR="0" lvl="0" indent="0" algn="ctr" defTabSz="914400" rtl="0" eaLnBrk="1" fontAlgn="auto" latinLnBrk="0" hangingPunct="1">
@@ -3772,49 +4053,6 @@
           </a:p>
         </p:txBody>
       </p:sp>
-      <p:sp>
-        <p:nvSpPr>
-          <p:cNvPr id="2" name="Title 1">
-            <a:extLst>
-              <a:ext uri="{FF2B5EF4-FFF2-40B4-BE49-F238E27FC236}">
-                <a16:creationId xmlns:a16="http://schemas.microsoft.com/office/drawing/2014/main" id="{1EDF2763-4176-F59F-49D4-6E7C0EFDC01A}"/>
-              </a:ext>
-            </a:extLst>
-          </p:cNvPr>
-          <p:cNvSpPr>
-            <a:spLocks noGrp="1"/>
-          </p:cNvSpPr>
-          <p:nvPr>
-            <p:ph type="ctrTitle"/>
-          </p:nvPr>
-        </p:nvSpPr>
-        <p:spPr>
-          <a:xfrm>
-            <a:off x="538860" y="637952"/>
-            <a:ext cx="4415912" cy="2254104"/>
-          </a:xfrm>
-        </p:spPr>
-        <p:txBody>
-          <a:bodyPr anchor="b">
-            <a:normAutofit/>
-          </a:bodyPr>
-          <a:lstStyle/>
-          <a:p>
-            <a:pPr algn="l"/>
-            <a:r>
-              <a:rPr lang="en-US" sz="5400" dirty="0">
-                <a:solidFill>
-                  <a:schemeClr val="bg1">
-                    <a:lumMod val="85000"/>
-                    <a:lumOff val="15000"/>
-                  </a:schemeClr>
-                </a:solidFill>
-              </a:rPr>
-              <a:t>Commodities in Action</a:t>
-            </a:r>
-          </a:p>
-        </p:txBody>
-      </p:sp>
       <p:pic>
         <p:nvPicPr>
           <p:cNvPr id="4" name="Picture 3">
@@ -3837,12 +4075,13 @@
         </p:blipFill>
         <p:spPr>
           <a:xfrm>
-            <a:off x="6828827" y="2307168"/>
-            <a:ext cx="4448774" cy="2491313"/>
+            <a:off x="5441735" y="1767352"/>
+            <a:ext cx="5934456" cy="3323295"/>
           </a:xfrm>
           <a:prstGeom prst="rect">
             <a:avLst/>
           </a:prstGeom>
+          <a:effectLst/>
         </p:spPr>
       </p:pic>
     </p:spTree>
@@ -3853,7 +4092,455 @@
     </p:extLst>
   </p:cSld>
   <p:clrMapOvr>
-    <a:overrideClrMapping bg1="dk1" tx1="lt1" bg2="dk2" tx2="lt2" accent1="accent1" accent2="accent2" accent3="accent3" accent4="accent4" accent5="accent5" accent6="accent6" hlink="hlink" folHlink="folHlink"/>
+    <a:masterClrMapping/>
+  </p:clrMapOvr>
+</p:sld>
+</file>
+
+<file path=ppt/slides/slide10.xml><?xml version="1.0" encoding="utf-8"?>
+<p:sld xmlns:a="http://schemas.openxmlformats.org/drawingml/2006/main" xmlns:r="http://schemas.openxmlformats.org/officeDocument/2006/relationships" xmlns:p="http://schemas.openxmlformats.org/presentationml/2006/main">
+  <p:cSld>
+    <p:bg>
+      <p:bgPr>
+        <a:solidFill>
+          <a:schemeClr val="bg1"/>
+        </a:solidFill>
+        <a:effectLst/>
+      </p:bgPr>
+    </p:bg>
+    <p:spTree>
+      <p:nvGrpSpPr>
+        <p:cNvPr id="1" name=""/>
+        <p:cNvGrpSpPr/>
+        <p:nvPr/>
+      </p:nvGrpSpPr>
+      <p:grpSpPr>
+        <a:xfrm>
+          <a:off x="0" y="0"/>
+          <a:ext cx="0" cy="0"/>
+          <a:chOff x="0" y="0"/>
+          <a:chExt cx="0" cy="0"/>
+        </a:xfrm>
+      </p:grpSpPr>
+      <p:sp useBgFill="1">
+        <p:nvSpPr>
+          <p:cNvPr id="24" name="Rectangle 9">
+            <a:extLst>
+              <a:ext uri="{FF2B5EF4-FFF2-40B4-BE49-F238E27FC236}">
+                <a16:creationId xmlns:a16="http://schemas.microsoft.com/office/drawing/2014/main" id="{E91DC736-0EF8-4F87-9146-EBF1D2EE4D3D}"/>
+              </a:ext>
+              <a:ext uri="{C183D7F6-B498-43B3-948B-1728B52AA6E4}">
+                <adec:decorative xmlns:adec="http://schemas.microsoft.com/office/drawing/2017/decorative" val="1"/>
+              </a:ext>
+            </a:extLst>
+          </p:cNvPr>
+          <p:cNvSpPr>
+            <a:spLocks noGrp="1" noRot="1" noChangeAspect="1" noMove="1" noResize="1" noEditPoints="1" noAdjustHandles="1" noChangeArrowheads="1" noChangeShapeType="1" noTextEdit="1"/>
+          </p:cNvSpPr>
+          <p:nvPr>
+            <p:extLst>
+              <p:ext uri="{386F3935-93C4-4BCD-93E2-E3B085C9AB24}">
+                <p16:designElem xmlns:p16="http://schemas.microsoft.com/office/powerpoint/2015/main" val="1"/>
+              </p:ext>
+            </p:extLst>
+          </p:nvPr>
+        </p:nvSpPr>
+        <p:spPr>
+          <a:xfrm>
+            <a:off x="0" y="0"/>
+            <a:ext cx="12192000" cy="6858000"/>
+          </a:xfrm>
+          <a:prstGeom prst="rect">
+            <a:avLst/>
+          </a:prstGeom>
+          <a:ln>
+            <a:noFill/>
+          </a:ln>
+        </p:spPr>
+        <p:style>
+          <a:lnRef idx="2">
+            <a:schemeClr val="accent1">
+              <a:shade val="50000"/>
+            </a:schemeClr>
+          </a:lnRef>
+          <a:fillRef idx="1">
+            <a:schemeClr val="accent1"/>
+          </a:fillRef>
+          <a:effectRef idx="0">
+            <a:schemeClr val="accent1"/>
+          </a:effectRef>
+          <a:fontRef idx="minor">
+            <a:schemeClr val="lt1"/>
+          </a:fontRef>
+        </p:style>
+        <p:txBody>
+          <a:bodyPr rtlCol="0" anchor="ctr"/>
+          <a:lstStyle/>
+          <a:p>
+            <a:pPr algn="ctr"/>
+            <a:endParaRPr lang="en-US"/>
+          </a:p>
+        </p:txBody>
+      </p:sp>
+      <p:pic>
+        <p:nvPicPr>
+          <p:cNvPr id="25" name="Picture 5" descr="Sticky notes with question marks">
+            <a:extLst>
+              <a:ext uri="{FF2B5EF4-FFF2-40B4-BE49-F238E27FC236}">
+                <a16:creationId xmlns:a16="http://schemas.microsoft.com/office/drawing/2014/main" id="{0041F1F4-78B6-E16E-9185-2735D4FA3AEC}"/>
+              </a:ext>
+            </a:extLst>
+          </p:cNvPr>
+          <p:cNvPicPr>
+            <a:picLocks noChangeAspect="1"/>
+          </p:cNvPicPr>
+          <p:nvPr/>
+        </p:nvPicPr>
+        <p:blipFill rotWithShape="1">
+          <a:blip r:embed="rId2"/>
+          <a:srcRect r="15627" b="-1"/>
+          <a:stretch/>
+        </p:blipFill>
+        <p:spPr>
+          <a:xfrm>
+            <a:off x="3523488" y="10"/>
+            <a:ext cx="8668512" cy="6857990"/>
+          </a:xfrm>
+          <a:prstGeom prst="rect">
+            <a:avLst/>
+          </a:prstGeom>
+        </p:spPr>
+      </p:pic>
+      <p:sp>
+        <p:nvSpPr>
+          <p:cNvPr id="26" name="Rectangle 11">
+            <a:extLst>
+              <a:ext uri="{FF2B5EF4-FFF2-40B4-BE49-F238E27FC236}">
+                <a16:creationId xmlns:a16="http://schemas.microsoft.com/office/drawing/2014/main" id="{097CD68E-23E3-4007-8847-CD0944C4F7BE}"/>
+              </a:ext>
+              <a:ext uri="{C183D7F6-B498-43B3-948B-1728B52AA6E4}">
+                <adec:decorative xmlns:adec="http://schemas.microsoft.com/office/drawing/2017/decorative" val="1"/>
+              </a:ext>
+            </a:extLst>
+          </p:cNvPr>
+          <p:cNvSpPr>
+            <a:spLocks noGrp="1" noRot="1" noChangeAspect="1" noMove="1" noResize="1" noEditPoints="1" noAdjustHandles="1" noChangeArrowheads="1" noChangeShapeType="1" noTextEdit="1"/>
+          </p:cNvSpPr>
+          <p:nvPr>
+            <p:extLst>
+              <p:ext uri="{386F3935-93C4-4BCD-93E2-E3B085C9AB24}">
+                <p16:designElem xmlns:p16="http://schemas.microsoft.com/office/powerpoint/2015/main" val="1"/>
+              </p:ext>
+            </p:extLst>
+          </p:nvPr>
+        </p:nvSpPr>
+        <p:spPr>
+          <a:xfrm>
+            <a:off x="0" y="0"/>
+            <a:ext cx="9756601" cy="6858000"/>
+          </a:xfrm>
+          <a:prstGeom prst="rect">
+            <a:avLst/>
+          </a:prstGeom>
+          <a:gradFill>
+            <a:gsLst>
+              <a:gs pos="58000">
+                <a:schemeClr val="bg1"/>
+              </a:gs>
+              <a:gs pos="35000">
+                <a:schemeClr val="bg1">
+                  <a:alpha val="79000"/>
+                </a:schemeClr>
+              </a:gs>
+              <a:gs pos="19000">
+                <a:schemeClr val="bg1">
+                  <a:alpha val="38000"/>
+                </a:schemeClr>
+              </a:gs>
+              <a:gs pos="0">
+                <a:schemeClr val="bg1">
+                  <a:alpha val="0"/>
+                </a:schemeClr>
+              </a:gs>
+              <a:gs pos="100000">
+                <a:schemeClr val="bg1"/>
+              </a:gs>
+            </a:gsLst>
+            <a:lin ang="10800000" scaled="0"/>
+          </a:gradFill>
+          <a:ln>
+            <a:noFill/>
+          </a:ln>
+        </p:spPr>
+        <p:style>
+          <a:lnRef idx="2">
+            <a:schemeClr val="accent1">
+              <a:shade val="50000"/>
+            </a:schemeClr>
+          </a:lnRef>
+          <a:fillRef idx="1">
+            <a:schemeClr val="accent1"/>
+          </a:fillRef>
+          <a:effectRef idx="0">
+            <a:schemeClr val="accent1"/>
+          </a:effectRef>
+          <a:fontRef idx="minor">
+            <a:schemeClr val="lt1"/>
+          </a:fontRef>
+        </p:style>
+        <p:txBody>
+          <a:bodyPr rtlCol="0" anchor="ctr"/>
+          <a:lstStyle/>
+          <a:p>
+            <a:pPr algn="ctr"/>
+            <a:endParaRPr lang="en-US" dirty="0"/>
+          </a:p>
+        </p:txBody>
+      </p:sp>
+      <p:sp>
+        <p:nvSpPr>
+          <p:cNvPr id="2" name="Title 1">
+            <a:extLst>
+              <a:ext uri="{FF2B5EF4-FFF2-40B4-BE49-F238E27FC236}">
+                <a16:creationId xmlns:a16="http://schemas.microsoft.com/office/drawing/2014/main" id="{925069B7-C32B-FEF1-6C19-9B62558865B7}"/>
+              </a:ext>
+            </a:extLst>
+          </p:cNvPr>
+          <p:cNvSpPr>
+            <a:spLocks noGrp="1"/>
+          </p:cNvSpPr>
+          <p:nvPr>
+            <p:ph type="title"/>
+          </p:nvPr>
+        </p:nvSpPr>
+        <p:spPr>
+          <a:xfrm>
+            <a:off x="477981" y="1122363"/>
+            <a:ext cx="4023360" cy="3204134"/>
+          </a:xfrm>
+        </p:spPr>
+        <p:txBody>
+          <a:bodyPr vert="horz" lIns="91440" tIns="45720" rIns="91440" bIns="45720" rtlCol="0" anchor="b">
+            <a:normAutofit/>
+          </a:bodyPr>
+          <a:lstStyle/>
+          <a:p>
+            <a:r>
+              <a:rPr lang="en-US" sz="4800"/>
+              <a:t>Thank you!</a:t>
+            </a:r>
+          </a:p>
+        </p:txBody>
+      </p:sp>
+      <p:sp>
+        <p:nvSpPr>
+          <p:cNvPr id="4" name="Text Placeholder 3">
+            <a:extLst>
+              <a:ext uri="{FF2B5EF4-FFF2-40B4-BE49-F238E27FC236}">
+                <a16:creationId xmlns:a16="http://schemas.microsoft.com/office/drawing/2014/main" id="{DAFB53F2-26D0-C9CF-D57E-F88A49446EE6}"/>
+              </a:ext>
+            </a:extLst>
+          </p:cNvPr>
+          <p:cNvSpPr>
+            <a:spLocks noGrp="1"/>
+          </p:cNvSpPr>
+          <p:nvPr>
+            <p:ph type="body" idx="1"/>
+          </p:nvPr>
+        </p:nvSpPr>
+        <p:spPr>
+          <a:xfrm>
+            <a:off x="477980" y="4872922"/>
+            <a:ext cx="4023359" cy="1208141"/>
+          </a:xfrm>
+        </p:spPr>
+        <p:txBody>
+          <a:bodyPr vert="horz" lIns="91440" tIns="45720" rIns="91440" bIns="45720" rtlCol="0">
+            <a:normAutofit/>
+          </a:bodyPr>
+          <a:lstStyle/>
+          <a:p>
+            <a:r>
+              <a:rPr lang="en-US" sz="2000" dirty="0">
+                <a:solidFill>
+                  <a:schemeClr val="tx1"/>
+                </a:solidFill>
+              </a:rPr>
+              <a:t>Questions?</a:t>
+            </a:r>
+          </a:p>
+        </p:txBody>
+      </p:sp>
+      <p:sp>
+        <p:nvSpPr>
+          <p:cNvPr id="27" name="Rectangle 13">
+            <a:extLst>
+              <a:ext uri="{FF2B5EF4-FFF2-40B4-BE49-F238E27FC236}">
+                <a16:creationId xmlns:a16="http://schemas.microsoft.com/office/drawing/2014/main" id="{AF2F604E-43BE-4DC3-B983-E071523364F8}"/>
+              </a:ext>
+              <a:ext uri="{C183D7F6-B498-43B3-948B-1728B52AA6E4}">
+                <adec:decorative xmlns:adec="http://schemas.microsoft.com/office/drawing/2017/decorative" val="1"/>
+              </a:ext>
+            </a:extLst>
+          </p:cNvPr>
+          <p:cNvSpPr>
+            <a:spLocks noGrp="1" noRot="1" noChangeAspect="1" noMove="1" noResize="1" noEditPoints="1" noAdjustHandles="1" noChangeArrowheads="1" noChangeShapeType="1" noTextEdit="1"/>
+          </p:cNvSpPr>
+          <p:nvPr>
+            <p:extLst>
+              <p:ext uri="{386F3935-93C4-4BCD-93E2-E3B085C9AB24}">
+                <p16:designElem xmlns:p16="http://schemas.microsoft.com/office/powerpoint/2015/main" val="1"/>
+              </p:ext>
+            </p:extLst>
+          </p:nvPr>
+        </p:nvSpPr>
+        <p:spPr>
+          <a:xfrm rot="5400000">
+            <a:off x="759921" y="346791"/>
+            <a:ext cx="146304" cy="704088"/>
+          </a:xfrm>
+          <a:prstGeom prst="rect">
+            <a:avLst/>
+          </a:prstGeom>
+          <a:solidFill>
+            <a:schemeClr val="accent2"/>
+          </a:solidFill>
+          <a:ln>
+            <a:noFill/>
+          </a:ln>
+        </p:spPr>
+        <p:style>
+          <a:lnRef idx="2">
+            <a:schemeClr val="accent1">
+              <a:shade val="50000"/>
+            </a:schemeClr>
+          </a:lnRef>
+          <a:fillRef idx="1">
+            <a:schemeClr val="accent1"/>
+          </a:fillRef>
+          <a:effectRef idx="0">
+            <a:schemeClr val="accent1"/>
+          </a:effectRef>
+          <a:fontRef idx="minor">
+            <a:schemeClr val="lt1"/>
+          </a:fontRef>
+        </p:style>
+        <p:txBody>
+          <a:bodyPr rtlCol="0" anchor="ctr"/>
+          <a:lstStyle/>
+          <a:p>
+            <a:pPr algn="ctr"/>
+            <a:endParaRPr lang="en-US">
+              <a:solidFill>
+                <a:prstClr val="white"/>
+              </a:solidFill>
+              <a:latin typeface="Calibri" panose="020F0502020204030204"/>
+            </a:endParaRPr>
+          </a:p>
+        </p:txBody>
+      </p:sp>
+      <p:sp>
+        <p:nvSpPr>
+          <p:cNvPr id="28" name="Rectangle 15">
+            <a:extLst>
+              <a:ext uri="{FF2B5EF4-FFF2-40B4-BE49-F238E27FC236}">
+                <a16:creationId xmlns:a16="http://schemas.microsoft.com/office/drawing/2014/main" id="{08C9B587-E65E-4B52-B37C-ABEBB6E87928}"/>
+              </a:ext>
+              <a:ext uri="{C183D7F6-B498-43B3-948B-1728B52AA6E4}">
+                <adec:decorative xmlns:adec="http://schemas.microsoft.com/office/drawing/2017/decorative" val="1"/>
+              </a:ext>
+            </a:extLst>
+          </p:cNvPr>
+          <p:cNvSpPr>
+            <a:spLocks noGrp="1" noRot="1" noChangeAspect="1" noMove="1" noResize="1" noEditPoints="1" noAdjustHandles="1" noChangeArrowheads="1" noChangeShapeType="1" noTextEdit="1"/>
+          </p:cNvSpPr>
+          <p:nvPr>
+            <p:extLst>
+              <p:ext uri="{386F3935-93C4-4BCD-93E2-E3B085C9AB24}">
+                <p16:designElem xmlns:p16="http://schemas.microsoft.com/office/powerpoint/2015/main" val="1"/>
+              </p:ext>
+            </p:extLst>
+          </p:nvPr>
+        </p:nvSpPr>
+        <p:spPr>
+          <a:xfrm>
+            <a:off x="481029" y="4546920"/>
+            <a:ext cx="3977640" cy="18288"/>
+          </a:xfrm>
+          <a:prstGeom prst="rect">
+            <a:avLst/>
+          </a:prstGeom>
+          <a:solidFill>
+            <a:srgbClr val="D5D5D5"/>
+          </a:solidFill>
+          <a:ln w="3175">
+            <a:noFill/>
+          </a:ln>
+          <a:effectLst/>
+        </p:spPr>
+        <p:style>
+          <a:lnRef idx="2">
+            <a:schemeClr val="accent1">
+              <a:shade val="50000"/>
+            </a:schemeClr>
+          </a:lnRef>
+          <a:fillRef idx="1">
+            <a:schemeClr val="accent1"/>
+          </a:fillRef>
+          <a:effectRef idx="0">
+            <a:schemeClr val="accent1"/>
+          </a:effectRef>
+          <a:fontRef idx="minor">
+            <a:schemeClr val="lt1"/>
+          </a:fontRef>
+        </p:style>
+        <p:txBody>
+          <a:bodyPr rtlCol="0" anchor="ctr"/>
+          <a:lstStyle/>
+          <a:p>
+            <a:pPr marL="0" marR="0" lvl="0" indent="0" algn="ctr" defTabSz="914400" rtl="0" eaLnBrk="1" fontAlgn="auto" latinLnBrk="0" hangingPunct="1">
+              <a:lnSpc>
+                <a:spcPct val="100000"/>
+              </a:lnSpc>
+              <a:spcBef>
+                <a:spcPts val="0"/>
+              </a:spcBef>
+              <a:spcAft>
+                <a:spcPts val="0"/>
+              </a:spcAft>
+              <a:buClrTx/>
+              <a:buSzTx/>
+              <a:buFontTx/>
+              <a:buNone/>
+              <a:tabLst/>
+              <a:defRPr/>
+            </a:pPr>
+            <a:endParaRPr kumimoji="0" lang="en-US" sz="1800" b="0" i="0" u="none" strike="noStrike" kern="1200" cap="none" spc="0" normalizeH="0" baseline="0" noProof="0">
+              <a:ln>
+                <a:noFill/>
+              </a:ln>
+              <a:solidFill>
+                <a:prstClr val="white"/>
+              </a:solidFill>
+              <a:effectLst/>
+              <a:uLnTx/>
+              <a:uFillTx/>
+              <a:latin typeface="Calibri" panose="020F0502020204030204"/>
+              <a:ea typeface="+mn-ea"/>
+              <a:cs typeface="+mn-cs"/>
+            </a:endParaRPr>
+          </a:p>
+        </p:txBody>
+      </p:sp>
+    </p:spTree>
+    <p:extLst>
+      <p:ext uri="{BB962C8B-B14F-4D97-AF65-F5344CB8AC3E}">
+        <p14:creationId xmlns:p14="http://schemas.microsoft.com/office/powerpoint/2010/main" val="2314146775"/>
+      </p:ext>
+    </p:extLst>
+  </p:cSld>
+  <p:clrMapOvr>
+    <a:masterClrMapping/>
   </p:clrMapOvr>
 </p:sld>
 </file>
@@ -5205,7 +5892,7 @@
         <p:spPr>
           <a:xfrm>
             <a:off x="774405" y="2011680"/>
-            <a:ext cx="5181600" cy="4659785"/>
+            <a:ext cx="5181600" cy="4659783"/>
           </a:xfrm>
           <a:prstGeom prst="rect">
             <a:avLst/>
@@ -5410,7 +6097,7 @@
             <a:pPr lvl="1"/>
             <a:r>
               <a:rPr lang="en-US" dirty="0"/>
-              <a:t>ULS Diesel</a:t>
+              <a:t>ULS Diesel*</a:t>
             </a:r>
           </a:p>
           <a:p>
@@ -5424,7 +6111,7 @@
             <a:pPr lvl="1"/>
             <a:r>
               <a:rPr lang="en-US" dirty="0"/>
-              <a:t>Gasoline</a:t>
+              <a:t>Gasoline*</a:t>
             </a:r>
           </a:p>
           <a:p>
@@ -5678,21 +6365,21 @@
             <a:pPr lvl="1"/>
             <a:r>
               <a:rPr lang="en-US" dirty="0"/>
-              <a:t>Corn</a:t>
+              <a:t>Corn*</a:t>
             </a:r>
           </a:p>
           <a:p>
             <a:pPr lvl="1"/>
             <a:r>
               <a:rPr lang="en-US" dirty="0"/>
-              <a:t>Soybeans</a:t>
+              <a:t>Soybeans*</a:t>
             </a:r>
           </a:p>
           <a:p>
             <a:pPr lvl="1"/>
             <a:r>
               <a:rPr lang="en-US" dirty="0"/>
-              <a:t>Wheat</a:t>
+              <a:t>Wheat*</a:t>
             </a:r>
           </a:p>
           <a:p>
@@ -5747,7 +6434,7 @@
             <a:pPr lvl="1"/>
             <a:r>
               <a:rPr lang="en-US" dirty="0"/>
-              <a:t>Coffee</a:t>
+              <a:t>Coffee*</a:t>
             </a:r>
           </a:p>
           <a:p>
@@ -5759,6 +6446,47 @@
           </a:p>
           <a:p>
             <a:endParaRPr lang="en-US" dirty="0"/>
+          </a:p>
+        </p:txBody>
+      </p:sp>
+      <p:sp>
+        <p:nvSpPr>
+          <p:cNvPr id="9" name="TextBox 8">
+            <a:extLst>
+              <a:ext uri="{FF2B5EF4-FFF2-40B4-BE49-F238E27FC236}">
+                <a16:creationId xmlns:a16="http://schemas.microsoft.com/office/drawing/2014/main" id="{4C1DE64F-2037-29AD-59D1-C863B13253EF}"/>
+              </a:ext>
+            </a:extLst>
+          </p:cNvPr>
+          <p:cNvSpPr txBox="1"/>
+          <p:nvPr/>
+        </p:nvSpPr>
+        <p:spPr>
+          <a:xfrm>
+            <a:off x="8472668" y="6396335"/>
+            <a:ext cx="3036791" cy="307777"/>
+          </a:xfrm>
+          <a:prstGeom prst="rect">
+            <a:avLst/>
+          </a:prstGeom>
+          <a:noFill/>
+        </p:spPr>
+        <p:txBody>
+          <a:bodyPr wrap="square" rtlCol="0">
+            <a:spAutoFit/>
+          </a:bodyPr>
+          <a:lstStyle/>
+          <a:p>
+            <a:r>
+              <a:rPr lang="en-US" sz="1400" dirty="0">
+                <a:solidFill>
+                  <a:schemeClr val="bg1">
+                    <a:lumMod val="75000"/>
+                  </a:schemeClr>
+                </a:solidFill>
+              </a:rPr>
+              <a:t>*price values skewed by factor of 100</a:t>
+            </a:r>
           </a:p>
         </p:txBody>
       </p:sp>
